--- a/Project_1/Group_5_Project1_Presentation.pptx
+++ b/Project_1/Group_5_Project1_Presentation.pptx
@@ -7,22 +7,21 @@
   <p:sldIdLst>
     <p:sldId id="256" r:id="rId5"/>
     <p:sldId id="257" r:id="rId6"/>
-    <p:sldId id="258" r:id="rId7"/>
-    <p:sldId id="271" r:id="rId8"/>
-    <p:sldId id="259" r:id="rId9"/>
-    <p:sldId id="272" r:id="rId10"/>
-    <p:sldId id="260" r:id="rId11"/>
-    <p:sldId id="273" r:id="rId12"/>
-    <p:sldId id="261" r:id="rId13"/>
-    <p:sldId id="274" r:id="rId14"/>
-    <p:sldId id="275" r:id="rId15"/>
-    <p:sldId id="276" r:id="rId16"/>
-    <p:sldId id="268" r:id="rId17"/>
-    <p:sldId id="265" r:id="rId18"/>
-    <p:sldId id="266" r:id="rId19"/>
-    <p:sldId id="267" r:id="rId20"/>
-    <p:sldId id="269" r:id="rId21"/>
-    <p:sldId id="270" r:id="rId22"/>
+    <p:sldId id="265" r:id="rId7"/>
+    <p:sldId id="258" r:id="rId8"/>
+    <p:sldId id="271" r:id="rId9"/>
+    <p:sldId id="259" r:id="rId10"/>
+    <p:sldId id="272" r:id="rId11"/>
+    <p:sldId id="260" r:id="rId12"/>
+    <p:sldId id="273" r:id="rId13"/>
+    <p:sldId id="266" r:id="rId14"/>
+    <p:sldId id="261" r:id="rId15"/>
+    <p:sldId id="267" r:id="rId16"/>
+    <p:sldId id="269" r:id="rId17"/>
+    <p:sldId id="274" r:id="rId18"/>
+    <p:sldId id="275" r:id="rId19"/>
+    <p:sldId id="276" r:id="rId20"/>
+    <p:sldId id="270" r:id="rId21"/>
   </p:sldIdLst>
   <p:sldSz cx="12192000" cy="6858000"/>
   <p:notesSz cx="6858000" cy="9144000"/>
@@ -132,8 +131,10 @@
 <file path=ppt/revisionInfo.xml><?xml version="1.0" encoding="utf-8"?>
 <p1510:revInfo xmlns:a="http://schemas.openxmlformats.org/drawingml/2006/main" xmlns:r="http://schemas.openxmlformats.org/officeDocument/2006/relationships" xmlns:p1510="http://schemas.microsoft.com/office/powerpoint/2015/10/main">
   <p1510:revLst>
+    <p1510:client id="{71DAD459-3277-48B9-901B-6CC61494D357}" v="130" dt="2025-09-30T22:43:51.459"/>
     <p1510:client id="{8DA8F7E3-3A10-8346-8EC2-2B32E6FD49D2}" v="219" dt="2025-09-30T19:15:32.921"/>
-    <p1510:client id="{D16E3915-6702-4CEF-9F21-56A14135C119}" v="4409" dt="2025-09-30T19:00:42.767"/>
+    <p1510:client id="{D16E3915-6702-4CEF-9F21-56A14135C119}" v="4433" dt="2025-09-30T22:41:45.242"/>
+    <p1510:client id="{E41D67D4-25E6-4BB2-A158-963E1DA97031}" v="1" dt="2025-09-30T22:04:50.828"/>
   </p1510:revLst>
 </p1510:revInfo>
 </file>
@@ -723,8 +724,8 @@
   </pc:docChgLst>
   <pc:docChgLst>
     <pc:chgData name="Jaxon Ham" userId="9d0789b0-281b-48a4-a011-36aa65ce5d06" providerId="ADAL" clId="{4885F386-4F9D-4C92-9506-D362F46B41D9}"/>
-    <pc:docChg chg="undo custSel addSld modSld">
-      <pc:chgData name="Jaxon Ham" userId="9d0789b0-281b-48a4-a011-36aa65ce5d06" providerId="ADAL" clId="{4885F386-4F9D-4C92-9506-D362F46B41D9}" dt="2025-09-30T19:00:42.764" v="4418" actId="2711"/>
+    <pc:docChg chg="undo custSel addSld modSld sldOrd">
+      <pc:chgData name="Jaxon Ham" userId="9d0789b0-281b-48a4-a011-36aa65ce5d06" providerId="ADAL" clId="{4885F386-4F9D-4C92-9506-D362F46B41D9}" dt="2025-09-30T22:41:45.243" v="4447" actId="5793"/>
       <pc:docMkLst>
         <pc:docMk/>
       </pc:docMkLst>
@@ -968,8 +969,8 @@
           </ac:spMkLst>
         </pc:spChg>
       </pc:sldChg>
-      <pc:sldChg chg="addSp delSp modSp new mod">
-        <pc:chgData name="Jaxon Ham" userId="9d0789b0-281b-48a4-a011-36aa65ce5d06" providerId="ADAL" clId="{4885F386-4F9D-4C92-9506-D362F46B41D9}" dt="2025-09-30T18:43:37.280" v="4391" actId="403"/>
+      <pc:sldChg chg="addSp delSp modSp new mod ord">
+        <pc:chgData name="Jaxon Ham" userId="9d0789b0-281b-48a4-a011-36aa65ce5d06" providerId="ADAL" clId="{4885F386-4F9D-4C92-9506-D362F46B41D9}" dt="2025-09-30T22:37:01.732" v="4426"/>
         <pc:sldMkLst>
           <pc:docMk/>
           <pc:sldMk cId="860459229" sldId="265"/>
@@ -999,8 +1000,8 @@
           </ac:spMkLst>
         </pc:spChg>
       </pc:sldChg>
-      <pc:sldChg chg="addSp delSp modSp new mod modClrScheme chgLayout">
-        <pc:chgData name="Jaxon Ham" userId="9d0789b0-281b-48a4-a011-36aa65ce5d06" providerId="ADAL" clId="{4885F386-4F9D-4C92-9506-D362F46B41D9}" dt="2025-09-30T18:07:07.166" v="3170" actId="20577"/>
+      <pc:sldChg chg="addSp delSp modSp new mod ord modClrScheme chgLayout">
+        <pc:chgData name="Jaxon Ham" userId="9d0789b0-281b-48a4-a011-36aa65ce5d06" providerId="ADAL" clId="{4885F386-4F9D-4C92-9506-D362F46B41D9}" dt="2025-09-30T22:38:52.549" v="4428"/>
         <pc:sldMkLst>
           <pc:docMk/>
           <pc:sldMk cId="4196355125" sldId="266"/>
@@ -1054,8 +1055,8 @@
           </ac:spMkLst>
         </pc:spChg>
       </pc:sldChg>
-      <pc:sldChg chg="modSp new mod">
-        <pc:chgData name="Jaxon Ham" userId="9d0789b0-281b-48a4-a011-36aa65ce5d06" providerId="ADAL" clId="{4885F386-4F9D-4C92-9506-D362F46B41D9}" dt="2025-09-30T18:45:53.240" v="4392" actId="403"/>
+      <pc:sldChg chg="modSp new mod ord">
+        <pc:chgData name="Jaxon Ham" userId="9d0789b0-281b-48a4-a011-36aa65ce5d06" providerId="ADAL" clId="{4885F386-4F9D-4C92-9506-D362F46B41D9}" dt="2025-09-30T22:03:59.741" v="4420"/>
         <pc:sldMkLst>
           <pc:docMk/>
           <pc:sldMk cId="2620882712" sldId="267"/>
@@ -1100,8 +1101,8 @@
           </ac:spMkLst>
         </pc:spChg>
       </pc:sldChg>
-      <pc:sldChg chg="modSp new mod">
-        <pc:chgData name="Jaxon Ham" userId="9d0789b0-281b-48a4-a011-36aa65ce5d06" providerId="ADAL" clId="{4885F386-4F9D-4C92-9506-D362F46B41D9}" dt="2025-09-30T18:46:16.663" v="4396" actId="27636"/>
+      <pc:sldChg chg="modSp new mod ord">
+        <pc:chgData name="Jaxon Ham" userId="9d0789b0-281b-48a4-a011-36aa65ce5d06" providerId="ADAL" clId="{4885F386-4F9D-4C92-9506-D362F46B41D9}" dt="2025-09-30T22:35:30.782" v="4424"/>
         <pc:sldMkLst>
           <pc:docMk/>
           <pc:sldMk cId="1030513007" sldId="269"/>
@@ -1246,6 +1247,113 @@
             <ac:picMk id="7" creationId="{24897007-1E79-0916-77B7-2ACC009F0A6F}"/>
           </ac:picMkLst>
         </pc:picChg>
+      </pc:sldChg>
+      <pc:sldChg chg="modSp mod">
+        <pc:chgData name="Jaxon Ham" userId="9d0789b0-281b-48a4-a011-36aa65ce5d06" providerId="ADAL" clId="{4885F386-4F9D-4C92-9506-D362F46B41D9}" dt="2025-09-30T22:41:45.243" v="4447" actId="5793"/>
+        <pc:sldMkLst>
+          <pc:docMk/>
+          <pc:sldMk cId="3776773589" sldId="276"/>
+        </pc:sldMkLst>
+        <pc:spChg chg="mod">
+          <ac:chgData name="Jaxon Ham" userId="9d0789b0-281b-48a4-a011-36aa65ce5d06" providerId="ADAL" clId="{4885F386-4F9D-4C92-9506-D362F46B41D9}" dt="2025-09-30T22:41:45.243" v="4447" actId="5793"/>
+          <ac:spMkLst>
+            <pc:docMk/>
+            <pc:sldMk cId="3776773589" sldId="276"/>
+            <ac:spMk id="6" creationId="{9B4AB48C-DF81-5CD1-F0B5-3C8ABCB67E04}"/>
+          </ac:spMkLst>
+        </pc:spChg>
+      </pc:sldChg>
+    </pc:docChg>
+  </pc:docChgLst>
+  <pc:docChgLst>
+    <pc:chgData name="Cody Uhl" userId="S::cuhl@uark.edu::11fec3ed-fd1b-48f9-9f9a-aac12487f9a5" providerId="AD" clId="Web-{71DAD459-3277-48B9-901B-6CC61494D357}"/>
+    <pc:docChg chg="delSld modSld sldOrd">
+      <pc:chgData name="Cody Uhl" userId="S::cuhl@uark.edu::11fec3ed-fd1b-48f9-9f9a-aac12487f9a5" providerId="AD" clId="Web-{71DAD459-3277-48B9-901B-6CC61494D357}" dt="2025-09-30T22:43:48.334" v="120" actId="20577"/>
+      <pc:docMkLst>
+        <pc:docMk/>
+      </pc:docMkLst>
+      <pc:sldChg chg="modSp del">
+        <pc:chgData name="Cody Uhl" userId="S::cuhl@uark.edu::11fec3ed-fd1b-48f9-9f9a-aac12487f9a5" providerId="AD" clId="Web-{71DAD459-3277-48B9-901B-6CC61494D357}" dt="2025-09-30T22:41:31.974" v="81"/>
+        <pc:sldMkLst>
+          <pc:docMk/>
+          <pc:sldMk cId="718699312" sldId="268"/>
+        </pc:sldMkLst>
+        <pc:spChg chg="mod">
+          <ac:chgData name="Cody Uhl" userId="S::cuhl@uark.edu::11fec3ed-fd1b-48f9-9f9a-aac12487f9a5" providerId="AD" clId="Web-{71DAD459-3277-48B9-901B-6CC61494D357}" dt="2025-09-30T22:40:24.302" v="59" actId="20577"/>
+          <ac:spMkLst>
+            <pc:docMk/>
+            <pc:sldMk cId="718699312" sldId="268"/>
+            <ac:spMk id="4" creationId="{316B0545-4CAF-1EF3-3049-831BB67D23BA}"/>
+          </ac:spMkLst>
+        </pc:spChg>
+      </pc:sldChg>
+      <pc:sldChg chg="ord">
+        <pc:chgData name="Cody Uhl" userId="S::cuhl@uark.edu::11fec3ed-fd1b-48f9-9f9a-aac12487f9a5" providerId="AD" clId="Web-{71DAD459-3277-48B9-901B-6CC61494D357}" dt="2025-09-30T22:36:31.410" v="0"/>
+        <pc:sldMkLst>
+          <pc:docMk/>
+          <pc:sldMk cId="1030513007" sldId="269"/>
+        </pc:sldMkLst>
+      </pc:sldChg>
+      <pc:sldChg chg="modSp">
+        <pc:chgData name="Cody Uhl" userId="S::cuhl@uark.edu::11fec3ed-fd1b-48f9-9f9a-aac12487f9a5" providerId="AD" clId="Web-{71DAD459-3277-48B9-901B-6CC61494D357}" dt="2025-09-30T22:41:58.365" v="89" actId="20577"/>
+        <pc:sldMkLst>
+          <pc:docMk/>
+          <pc:sldMk cId="1577759225" sldId="274"/>
+        </pc:sldMkLst>
+        <pc:spChg chg="mod">
+          <ac:chgData name="Cody Uhl" userId="S::cuhl@uark.edu::11fec3ed-fd1b-48f9-9f9a-aac12487f9a5" providerId="AD" clId="Web-{71DAD459-3277-48B9-901B-6CC61494D357}" dt="2025-09-30T22:41:58.365" v="89" actId="20577"/>
+          <ac:spMkLst>
+            <pc:docMk/>
+            <pc:sldMk cId="1577759225" sldId="274"/>
+            <ac:spMk id="6" creationId="{97D1FC46-1B2A-B817-00EB-6CEB42F4B700}"/>
+          </ac:spMkLst>
+        </pc:spChg>
+      </pc:sldChg>
+      <pc:sldChg chg="modSp">
+        <pc:chgData name="Cody Uhl" userId="S::cuhl@uark.edu::11fec3ed-fd1b-48f9-9f9a-aac12487f9a5" providerId="AD" clId="Web-{71DAD459-3277-48B9-901B-6CC61494D357}" dt="2025-09-30T22:42:23.021" v="103" actId="20577"/>
+        <pc:sldMkLst>
+          <pc:docMk/>
+          <pc:sldMk cId="3536959818" sldId="275"/>
+        </pc:sldMkLst>
+        <pc:spChg chg="mod">
+          <ac:chgData name="Cody Uhl" userId="S::cuhl@uark.edu::11fec3ed-fd1b-48f9-9f9a-aac12487f9a5" providerId="AD" clId="Web-{71DAD459-3277-48B9-901B-6CC61494D357}" dt="2025-09-30T22:42:23.021" v="103" actId="20577"/>
+          <ac:spMkLst>
+            <pc:docMk/>
+            <pc:sldMk cId="3536959818" sldId="275"/>
+            <ac:spMk id="6" creationId="{50B7BFF8-3A9B-B628-C575-8DE69B1C3470}"/>
+          </ac:spMkLst>
+        </pc:spChg>
+      </pc:sldChg>
+      <pc:sldChg chg="modSp">
+        <pc:chgData name="Cody Uhl" userId="S::cuhl@uark.edu::11fec3ed-fd1b-48f9-9f9a-aac12487f9a5" providerId="AD" clId="Web-{71DAD459-3277-48B9-901B-6CC61494D357}" dt="2025-09-30T22:43:48.334" v="120" actId="20577"/>
+        <pc:sldMkLst>
+          <pc:docMk/>
+          <pc:sldMk cId="3776773589" sldId="276"/>
+        </pc:sldMkLst>
+        <pc:spChg chg="mod">
+          <ac:chgData name="Cody Uhl" userId="S::cuhl@uark.edu::11fec3ed-fd1b-48f9-9f9a-aac12487f9a5" providerId="AD" clId="Web-{71DAD459-3277-48B9-901B-6CC61494D357}" dt="2025-09-30T22:43:48.334" v="120" actId="20577"/>
+          <ac:spMkLst>
+            <pc:docMk/>
+            <pc:sldMk cId="3776773589" sldId="276"/>
+            <ac:spMk id="6" creationId="{9B4AB48C-DF81-5CD1-F0B5-3C8ABCB67E04}"/>
+          </ac:spMkLst>
+        </pc:spChg>
+      </pc:sldChg>
+    </pc:docChg>
+  </pc:docChgLst>
+  <pc:docChgLst>
+    <pc:chgData name="Cody Uhl" userId="S::cuhl@uark.edu::11fec3ed-fd1b-48f9-9f9a-aac12487f9a5" providerId="AD" clId="Web-{E41D67D4-25E6-4BB2-A158-963E1DA97031}"/>
+    <pc:docChg chg="sldOrd">
+      <pc:chgData name="Cody Uhl" userId="S::cuhl@uark.edu::11fec3ed-fd1b-48f9-9f9a-aac12487f9a5" providerId="AD" clId="Web-{E41D67D4-25E6-4BB2-A158-963E1DA97031}" dt="2025-09-30T22:04:50.828" v="0"/>
+      <pc:docMkLst>
+        <pc:docMk/>
+      </pc:docMkLst>
+      <pc:sldChg chg="ord">
+        <pc:chgData name="Cody Uhl" userId="S::cuhl@uark.edu::11fec3ed-fd1b-48f9-9f9a-aac12487f9a5" providerId="AD" clId="Web-{E41D67D4-25E6-4BB2-A158-963E1DA97031}" dt="2025-09-30T22:04:50.828" v="0"/>
+        <pc:sldMkLst>
+          <pc:docMk/>
+          <pc:sldMk cId="677502893" sldId="270"/>
+        </pc:sldMkLst>
       </pc:sldChg>
     </pc:docChg>
   </pc:docChgLst>
@@ -8337,7 +8445,7 @@
           <p:cNvPr id="2" name="Title 1">
             <a:extLst>
               <a:ext uri="{FF2B5EF4-FFF2-40B4-BE49-F238E27FC236}">
-                <a16:creationId xmlns:a16="http://schemas.microsoft.com/office/drawing/2014/main" id="{6E0878A0-8AEA-6EE1-30B5-9B994F13DCC9}"/>
+                <a16:creationId xmlns:a16="http://schemas.microsoft.com/office/drawing/2014/main" id="{7BEEA381-287B-E9F7-8F1F-379AC930D0B0}"/>
               </a:ext>
             </a:extLst>
           </p:cNvPr>
@@ -8355,14 +8463,348 @@
           <a:p>
             <a:r>
               <a:rPr lang="en-US"/>
-              <a:t>Log Reg + </a:t>
-            </a:r>
+              <a:t>Batch Gradient Descent vs. Stochastic Gradient Descent</a:t>
+            </a:r>
+          </a:p>
+        </p:txBody>
+      </p:sp>
+      <p:sp>
+        <p:nvSpPr>
+          <p:cNvPr id="4" name="Text Placeholder 3">
+            <a:extLst>
+              <a:ext uri="{FF2B5EF4-FFF2-40B4-BE49-F238E27FC236}">
+                <a16:creationId xmlns:a16="http://schemas.microsoft.com/office/drawing/2014/main" id="{60FBB85D-DC32-B188-244B-A4ABD55E9156}"/>
+              </a:ext>
+            </a:extLst>
+          </p:cNvPr>
+          <p:cNvSpPr>
+            <a:spLocks noGrp="1"/>
+          </p:cNvSpPr>
+          <p:nvPr>
+            <p:ph type="body" idx="1"/>
+          </p:nvPr>
+        </p:nvSpPr>
+        <p:spPr/>
+        <p:txBody>
+          <a:bodyPr/>
+          <a:lstStyle/>
+          <a:p>
+            <a:r>
+              <a:rPr lang="en-US"/>
+              <a:t>Batch Gradient Descent</a:t>
+            </a:r>
+          </a:p>
+        </p:txBody>
+      </p:sp>
+      <p:sp>
+        <p:nvSpPr>
+          <p:cNvPr id="5" name="Content Placeholder 4">
+            <a:extLst>
+              <a:ext uri="{FF2B5EF4-FFF2-40B4-BE49-F238E27FC236}">
+                <a16:creationId xmlns:a16="http://schemas.microsoft.com/office/drawing/2014/main" id="{5F124E18-1B44-F273-2A04-FB01AFE2C07A}"/>
+              </a:ext>
+            </a:extLst>
+          </p:cNvPr>
+          <p:cNvSpPr>
+            <a:spLocks noGrp="1"/>
+          </p:cNvSpPr>
+          <p:nvPr>
+            <p:ph sz="half" idx="2"/>
+          </p:nvPr>
+        </p:nvSpPr>
+        <p:spPr/>
+        <p:txBody>
+          <a:bodyPr/>
+          <a:lstStyle/>
+          <a:p>
+            <a:r>
+              <a:rPr lang="en-US"/>
+              <a:t>Updates weights once per epoch using entire dataset</a:t>
+            </a:r>
+          </a:p>
+          <a:p>
+            <a:r>
+              <a:rPr lang="en-US"/>
+              <a:t>Produces smooth, gradually declining MSE curve</a:t>
+            </a:r>
+          </a:p>
+          <a:p>
+            <a:r>
+              <a:rPr lang="en-US"/>
+              <a:t>Slower to converge</a:t>
+            </a:r>
+          </a:p>
+          <a:p>
+            <a:r>
+              <a:rPr lang="en-US"/>
+              <a:t>More stable</a:t>
+            </a:r>
+          </a:p>
+        </p:txBody>
+      </p:sp>
+      <p:sp>
+        <p:nvSpPr>
+          <p:cNvPr id="6" name="Text Placeholder 5">
+            <a:extLst>
+              <a:ext uri="{FF2B5EF4-FFF2-40B4-BE49-F238E27FC236}">
+                <a16:creationId xmlns:a16="http://schemas.microsoft.com/office/drawing/2014/main" id="{C02FE023-675A-5EEB-6E1E-C2CA01C69E63}"/>
+              </a:ext>
+            </a:extLst>
+          </p:cNvPr>
+          <p:cNvSpPr>
+            <a:spLocks noGrp="1"/>
+          </p:cNvSpPr>
+          <p:nvPr>
+            <p:ph type="body" sz="quarter" idx="3"/>
+          </p:nvPr>
+        </p:nvSpPr>
+        <p:spPr/>
+        <p:txBody>
+          <a:bodyPr/>
+          <a:lstStyle/>
+          <a:p>
+            <a:r>
+              <a:rPr lang="en-US"/>
+              <a:t>Stochastic Gradient Descent</a:t>
+            </a:r>
+          </a:p>
+        </p:txBody>
+      </p:sp>
+      <p:sp>
+        <p:nvSpPr>
+          <p:cNvPr id="7" name="Content Placeholder 6">
+            <a:extLst>
+              <a:ext uri="{FF2B5EF4-FFF2-40B4-BE49-F238E27FC236}">
+                <a16:creationId xmlns:a16="http://schemas.microsoft.com/office/drawing/2014/main" id="{05472CAD-652E-1817-B0DD-2AE5B4A83C3D}"/>
+              </a:ext>
+            </a:extLst>
+          </p:cNvPr>
+          <p:cNvSpPr>
+            <a:spLocks noGrp="1"/>
+          </p:cNvSpPr>
+          <p:nvPr>
+            <p:ph sz="quarter" idx="4"/>
+          </p:nvPr>
+        </p:nvSpPr>
+        <p:spPr/>
+        <p:txBody>
+          <a:bodyPr/>
+          <a:lstStyle/>
+          <a:p>
+            <a:r>
+              <a:rPr lang="en-US"/>
+              <a:t>Updates weights after each training sample</a:t>
+            </a:r>
+          </a:p>
+          <a:p>
+            <a:r>
+              <a:rPr lang="en-US"/>
+              <a:t>Learns much faster</a:t>
+            </a:r>
+          </a:p>
+          <a:p>
+            <a:r>
+              <a:rPr lang="en-US"/>
+              <a:t>Sharper early drop in MSE</a:t>
+            </a:r>
+          </a:p>
+          <a:p>
+            <a:r>
+              <a:rPr lang="en-US"/>
+              <a:t>Curve can be noisier, but converges quicker on large datasets</a:t>
+            </a:r>
+          </a:p>
+        </p:txBody>
+      </p:sp>
+    </p:spTree>
+    <p:extLst>
+      <p:ext uri="{BB962C8B-B14F-4D97-AF65-F5344CB8AC3E}">
+        <p14:creationId xmlns:p14="http://schemas.microsoft.com/office/powerpoint/2010/main" val="4196355125"/>
+      </p:ext>
+    </p:extLst>
+  </p:cSld>
+  <p:clrMapOvr>
+    <a:masterClrMapping/>
+  </p:clrMapOvr>
+</p:sld>
+</file>
+
+<file path=ppt/slides/slide11.xml><?xml version="1.0" encoding="utf-8"?>
+<p:sld xmlns:a="http://schemas.openxmlformats.org/drawingml/2006/main" xmlns:r="http://schemas.openxmlformats.org/officeDocument/2006/relationships" xmlns:p="http://schemas.openxmlformats.org/presentationml/2006/main">
+  <p:cSld>
+    <p:spTree>
+      <p:nvGrpSpPr>
+        <p:cNvPr id="1" name=""/>
+        <p:cNvGrpSpPr/>
+        <p:nvPr/>
+      </p:nvGrpSpPr>
+      <p:grpSpPr>
+        <a:xfrm>
+          <a:off x="0" y="0"/>
+          <a:ext cx="0" cy="0"/>
+          <a:chOff x="0" y="0"/>
+          <a:chExt cx="0" cy="0"/>
+        </a:xfrm>
+      </p:grpSpPr>
+      <p:sp>
+        <p:nvSpPr>
+          <p:cNvPr id="2" name="Title 1">
+            <a:extLst>
+              <a:ext uri="{FF2B5EF4-FFF2-40B4-BE49-F238E27FC236}">
+                <a16:creationId xmlns:a16="http://schemas.microsoft.com/office/drawing/2014/main" id="{56E6506C-D359-114F-5638-F63463E7286A}"/>
+              </a:ext>
+            </a:extLst>
+          </p:cNvPr>
+          <p:cNvSpPr>
+            <a:spLocks noGrp="1"/>
+          </p:cNvSpPr>
+          <p:nvPr>
+            <p:ph type="title"/>
+          </p:nvPr>
+        </p:nvSpPr>
+        <p:spPr/>
+        <p:txBody>
+          <a:bodyPr/>
+          <a:lstStyle/>
+          <a:p>
             <a:r>
               <a:rPr lang="en-US" err="1"/>
-              <a:t>GridSearchCV</a:t>
-            </a:r>
+              <a:t>SKLearn</a:t>
+            </a:r>
+            <a:r>
+              <a:rPr lang="en-US"/>
+              <a:t> Perceptron &amp; Adaline</a:t>
+            </a:r>
+          </a:p>
+        </p:txBody>
+      </p:sp>
+      <p:sp>
+        <p:nvSpPr>
+          <p:cNvPr id="4" name="Text Placeholder 3">
+            <a:extLst>
+              <a:ext uri="{FF2B5EF4-FFF2-40B4-BE49-F238E27FC236}">
+                <a16:creationId xmlns:a16="http://schemas.microsoft.com/office/drawing/2014/main" id="{A468150C-44D7-832A-A688-0703489AE7EA}"/>
+              </a:ext>
+            </a:extLst>
+          </p:cNvPr>
+          <p:cNvSpPr>
+            <a:spLocks noGrp="1"/>
+          </p:cNvSpPr>
+          <p:nvPr>
+            <p:ph type="body" idx="1"/>
+          </p:nvPr>
+        </p:nvSpPr>
+        <p:spPr/>
+        <p:txBody>
+          <a:bodyPr/>
+          <a:lstStyle/>
+          <a:p>
+            <a:r>
+              <a:rPr lang="en-US" err="1"/>
+              <a:t>SKLearn</a:t>
+            </a:r>
+            <a:r>
+              <a:rPr lang="en-US"/>
+              <a:t> Perceptron:</a:t>
+            </a:r>
+          </a:p>
+        </p:txBody>
+      </p:sp>
+      <p:sp>
+        <p:nvSpPr>
+          <p:cNvPr id="3" name="Content Placeholder 2">
+            <a:extLst>
+              <a:ext uri="{FF2B5EF4-FFF2-40B4-BE49-F238E27FC236}">
+                <a16:creationId xmlns:a16="http://schemas.microsoft.com/office/drawing/2014/main" id="{5BAB4DD1-66F0-FC23-3885-CBADA18599D1}"/>
+              </a:ext>
+            </a:extLst>
+          </p:cNvPr>
+          <p:cNvSpPr>
+            <a:spLocks noGrp="1"/>
+          </p:cNvSpPr>
+          <p:nvPr>
+            <p:ph sz="half" idx="2"/>
+          </p:nvPr>
+        </p:nvSpPr>
+        <p:spPr/>
+        <p:txBody>
+          <a:bodyPr>
+            <a:normAutofit/>
+          </a:bodyPr>
+          <a:lstStyle/>
+          <a:p>
+            <a:r>
+              <a:rPr lang="en-US"/>
+              <a:t>Efficient perceptron using SGD</a:t>
+            </a:r>
+          </a:p>
+          <a:p>
+            <a:r>
+              <a:rPr lang="en-US"/>
+              <a:t>Supports regularization, learning rate tuning, and class weights</a:t>
+            </a:r>
+          </a:p>
+          <a:p>
+            <a:r>
+              <a:rPr lang="en-US"/>
+              <a:t>Faster and more stable</a:t>
+            </a:r>
+          </a:p>
+          <a:p>
+            <a:pPr marL="0" indent="0">
+              <a:buNone/>
+            </a:pPr>
             <a:endParaRPr lang="en-US"/>
           </a:p>
+          <a:p>
+            <a:pPr marL="0" indent="0">
+              <a:buNone/>
+            </a:pPr>
+            <a:r>
+              <a:rPr lang="en-US"/>
+              <a:t>Perceptron </a:t>
+            </a:r>
+            <a:r>
+              <a:rPr lang="en-US" err="1"/>
+              <a:t>SKLearn</a:t>
+            </a:r>
+            <a:r>
+              <a:rPr lang="en-US"/>
+              <a:t> Accuracy: 0.7950</a:t>
+            </a:r>
+          </a:p>
+        </p:txBody>
+      </p:sp>
+      <p:sp>
+        <p:nvSpPr>
+          <p:cNvPr id="5" name="Text Placeholder 4">
+            <a:extLst>
+              <a:ext uri="{FF2B5EF4-FFF2-40B4-BE49-F238E27FC236}">
+                <a16:creationId xmlns:a16="http://schemas.microsoft.com/office/drawing/2014/main" id="{7AF97783-43AC-5D19-5AD6-123EC1E4D954}"/>
+              </a:ext>
+            </a:extLst>
+          </p:cNvPr>
+          <p:cNvSpPr>
+            <a:spLocks noGrp="1"/>
+          </p:cNvSpPr>
+          <p:nvPr>
+            <p:ph type="body" sz="quarter" idx="3"/>
+          </p:nvPr>
+        </p:nvSpPr>
+        <p:spPr/>
+        <p:txBody>
+          <a:bodyPr/>
+          <a:lstStyle/>
+          <a:p>
+            <a:r>
+              <a:rPr lang="en-US" err="1"/>
+              <a:t>SKLearn</a:t>
+            </a:r>
+            <a:r>
+              <a:rPr lang="en-US"/>
+              <a:t> Adaline:</a:t>
+            </a:r>
+          </a:p>
         </p:txBody>
       </p:sp>
       <p:sp>
@@ -8370,7 +8812,146 @@
           <p:cNvPr id="6" name="Content Placeholder 5">
             <a:extLst>
               <a:ext uri="{FF2B5EF4-FFF2-40B4-BE49-F238E27FC236}">
-                <a16:creationId xmlns:a16="http://schemas.microsoft.com/office/drawing/2014/main" id="{97D1FC46-1B2A-B817-00EB-6CEB42F4B700}"/>
+                <a16:creationId xmlns:a16="http://schemas.microsoft.com/office/drawing/2014/main" id="{F75C1236-7A21-1842-33B8-5F98065773B1}"/>
+              </a:ext>
+            </a:extLst>
+          </p:cNvPr>
+          <p:cNvSpPr>
+            <a:spLocks noGrp="1"/>
+          </p:cNvSpPr>
+          <p:nvPr>
+            <p:ph sz="quarter" idx="4"/>
+          </p:nvPr>
+        </p:nvSpPr>
+        <p:spPr/>
+        <p:txBody>
+          <a:bodyPr>
+            <a:normAutofit/>
+          </a:bodyPr>
+          <a:lstStyle/>
+          <a:p>
+            <a:r>
+              <a:rPr lang="en-US"/>
+              <a:t>Adaline with SGD</a:t>
+            </a:r>
+          </a:p>
+          <a:p>
+            <a:r>
+              <a:rPr lang="en-US"/>
+              <a:t>Minimizes mean squared error</a:t>
+            </a:r>
+          </a:p>
+          <a:p>
+            <a:r>
+              <a:rPr lang="en-US"/>
+              <a:t>Includes regularization, adaptive learning rates, and shuffling</a:t>
+            </a:r>
+          </a:p>
+          <a:p>
+            <a:pPr marL="0" indent="0">
+              <a:buNone/>
+            </a:pPr>
+            <a:r>
+              <a:rPr lang="en-US"/>
+              <a:t>Adaline </a:t>
+            </a:r>
+            <a:r>
+              <a:rPr lang="en-US" err="1"/>
+              <a:t>SKLearn</a:t>
+            </a:r>
+            <a:r>
+              <a:rPr lang="en-US"/>
+              <a:t> Accuracy: 0.8301</a:t>
+            </a:r>
+          </a:p>
+          <a:p>
+            <a:endParaRPr lang="en-US"/>
+          </a:p>
+        </p:txBody>
+      </p:sp>
+    </p:spTree>
+    <p:extLst>
+      <p:ext uri="{BB962C8B-B14F-4D97-AF65-F5344CB8AC3E}">
+        <p14:creationId xmlns:p14="http://schemas.microsoft.com/office/powerpoint/2010/main" val="4173577129"/>
+      </p:ext>
+    </p:extLst>
+  </p:cSld>
+  <p:clrMapOvr>
+    <a:masterClrMapping/>
+  </p:clrMapOvr>
+</p:sld>
+</file>
+
+<file path=ppt/slides/slide12.xml><?xml version="1.0" encoding="utf-8"?>
+<p:sld xmlns:a="http://schemas.openxmlformats.org/drawingml/2006/main" xmlns:r="http://schemas.openxmlformats.org/officeDocument/2006/relationships" xmlns:p="http://schemas.openxmlformats.org/presentationml/2006/main">
+  <p:cSld>
+    <p:spTree>
+      <p:nvGrpSpPr>
+        <p:cNvPr id="1" name=""/>
+        <p:cNvGrpSpPr/>
+        <p:nvPr/>
+      </p:nvGrpSpPr>
+      <p:grpSpPr>
+        <a:xfrm>
+          <a:off x="0" y="0"/>
+          <a:ext cx="0" cy="0"/>
+          <a:chOff x="0" y="0"/>
+          <a:chExt cx="0" cy="0"/>
+        </a:xfrm>
+      </p:grpSpPr>
+      <p:sp>
+        <p:nvSpPr>
+          <p:cNvPr id="2" name="Title 1">
+            <a:extLst>
+              <a:ext uri="{FF2B5EF4-FFF2-40B4-BE49-F238E27FC236}">
+                <a16:creationId xmlns:a16="http://schemas.microsoft.com/office/drawing/2014/main" id="{45CD995E-C4BD-AD8E-1758-42BB5DD1F346}"/>
+              </a:ext>
+            </a:extLst>
+          </p:cNvPr>
+          <p:cNvSpPr>
+            <a:spLocks noGrp="1"/>
+          </p:cNvSpPr>
+          <p:nvPr>
+            <p:ph type="title"/>
+          </p:nvPr>
+        </p:nvSpPr>
+        <p:spPr/>
+        <p:txBody>
+          <a:bodyPr/>
+          <a:lstStyle/>
+          <a:p>
+            <a:r>
+              <a:rPr lang="en-US"/>
+              <a:t>Custom Perceptron &amp; Adaline vs. </a:t>
+            </a:r>
+            <a:r>
+              <a:rPr lang="en-US" err="1"/>
+              <a:t>SKLearn</a:t>
+            </a:r>
+            <a:br>
+              <a:rPr lang="en-US"/>
+            </a:br>
+            <a:r>
+              <a:rPr lang="en-US"/>
+              <a:t>Why does </a:t>
+            </a:r>
+            <a:r>
+              <a:rPr lang="en-US" err="1"/>
+              <a:t>SKLearn</a:t>
+            </a:r>
+            <a:r>
+              <a:rPr lang="en-US"/>
+              <a:t> outperform the book code?</a:t>
+            </a:r>
+          </a:p>
+        </p:txBody>
+      </p:sp>
+      <p:sp>
+        <p:nvSpPr>
+          <p:cNvPr id="3" name="Content Placeholder 2">
+            <a:extLst>
+              <a:ext uri="{FF2B5EF4-FFF2-40B4-BE49-F238E27FC236}">
+                <a16:creationId xmlns:a16="http://schemas.microsoft.com/office/drawing/2014/main" id="{9DAD1E0E-FA06-AD22-20C9-9375A0AE3B03}"/>
               </a:ext>
             </a:extLst>
           </p:cNvPr>
@@ -8383,9 +8964,301 @@
         </p:nvSpPr>
         <p:spPr/>
         <p:txBody>
+          <a:bodyPr>
+            <a:normAutofit/>
+          </a:bodyPr>
+          <a:lstStyle/>
+          <a:p>
+            <a:r>
+              <a:rPr lang="en-US" sz="2800"/>
+              <a:t>Optimized Implementation: scikit-learn is highly optimized </a:t>
+            </a:r>
+            <a:r>
+              <a:rPr lang="en-US" sz="2800">
+                <a:sym typeface="Wingdings" panose="05000000000000000000" pitchFamily="2" charset="2"/>
+              </a:rPr>
+              <a:t> faster and more efficient than our python loops</a:t>
+            </a:r>
+          </a:p>
+          <a:p>
+            <a:r>
+              <a:rPr lang="en-US" sz="2800">
+                <a:sym typeface="Wingdings" panose="05000000000000000000" pitchFamily="2" charset="2"/>
+              </a:rPr>
+              <a:t>Regularization: built in options like alpha helps prevent overfitting</a:t>
+            </a:r>
+          </a:p>
+          <a:p>
+            <a:r>
+              <a:rPr lang="en-US" sz="2800">
+                <a:sym typeface="Wingdings" panose="05000000000000000000" pitchFamily="2" charset="2"/>
+              </a:rPr>
+              <a:t>Better Learning Rate Handling: Adaptive learning rate schedules vs. our fixed learning rate</a:t>
+            </a:r>
+          </a:p>
+          <a:p>
+            <a:r>
+              <a:rPr lang="en-US" sz="2800">
+                <a:sym typeface="Wingdings" panose="05000000000000000000" pitchFamily="2" charset="2"/>
+              </a:rPr>
+              <a:t>Robustness: handles edge cases (non-separable data, convergence issues) more gracefully</a:t>
+            </a:r>
+          </a:p>
+        </p:txBody>
+      </p:sp>
+    </p:spTree>
+    <p:extLst>
+      <p:ext uri="{BB962C8B-B14F-4D97-AF65-F5344CB8AC3E}">
+        <p14:creationId xmlns:p14="http://schemas.microsoft.com/office/powerpoint/2010/main" val="2620882712"/>
+      </p:ext>
+    </p:extLst>
+  </p:cSld>
+  <p:clrMapOvr>
+    <a:masterClrMapping/>
+  </p:clrMapOvr>
+</p:sld>
+</file>
+
+<file path=ppt/slides/slide13.xml><?xml version="1.0" encoding="utf-8"?>
+<p:sld xmlns:a="http://schemas.openxmlformats.org/drawingml/2006/main" xmlns:r="http://schemas.openxmlformats.org/officeDocument/2006/relationships" xmlns:p="http://schemas.openxmlformats.org/presentationml/2006/main">
+  <p:cSld>
+    <p:spTree>
+      <p:nvGrpSpPr>
+        <p:cNvPr id="1" name=""/>
+        <p:cNvGrpSpPr/>
+        <p:nvPr/>
+      </p:nvGrpSpPr>
+      <p:grpSpPr>
+        <a:xfrm>
+          <a:off x="0" y="0"/>
+          <a:ext cx="0" cy="0"/>
+          <a:chOff x="0" y="0"/>
+          <a:chExt cx="0" cy="0"/>
+        </a:xfrm>
+      </p:grpSpPr>
+      <p:sp>
+        <p:nvSpPr>
+          <p:cNvPr id="2" name="Title 1">
+            <a:extLst>
+              <a:ext uri="{FF2B5EF4-FFF2-40B4-BE49-F238E27FC236}">
+                <a16:creationId xmlns:a16="http://schemas.microsoft.com/office/drawing/2014/main" id="{D015266E-77FA-7F7A-FB12-333376BF1FE6}"/>
+              </a:ext>
+            </a:extLst>
+          </p:cNvPr>
+          <p:cNvSpPr>
+            <a:spLocks noGrp="1"/>
+          </p:cNvSpPr>
+          <p:nvPr>
+            <p:ph type="title"/>
+          </p:nvPr>
+        </p:nvSpPr>
+        <p:spPr/>
+        <p:txBody>
           <a:bodyPr/>
           <a:lstStyle/>
           <a:p>
+            <a:r>
+              <a:rPr lang="en-US"/>
+              <a:t>Using Regularization to Prevent Overfitting</a:t>
+            </a:r>
+          </a:p>
+        </p:txBody>
+      </p:sp>
+      <p:sp>
+        <p:nvSpPr>
+          <p:cNvPr id="3" name="Content Placeholder 2">
+            <a:extLst>
+              <a:ext uri="{FF2B5EF4-FFF2-40B4-BE49-F238E27FC236}">
+                <a16:creationId xmlns:a16="http://schemas.microsoft.com/office/drawing/2014/main" id="{05308AC2-DB39-9F9F-6311-A6DAA162DDFB}"/>
+              </a:ext>
+            </a:extLst>
+          </p:cNvPr>
+          <p:cNvSpPr>
+            <a:spLocks noGrp="1"/>
+          </p:cNvSpPr>
+          <p:nvPr>
+            <p:ph idx="1"/>
+          </p:nvPr>
+        </p:nvSpPr>
+        <p:spPr>
+          <a:xfrm>
+            <a:off x="838200" y="1825624"/>
+            <a:ext cx="10515600" cy="4026535"/>
+          </a:xfrm>
+        </p:spPr>
+        <p:txBody>
+          <a:bodyPr>
+            <a:normAutofit fontScale="92500" lnSpcReduction="10000"/>
+          </a:bodyPr>
+          <a:lstStyle/>
+          <a:p>
+            <a:r>
+              <a:rPr lang="en-US" sz="2800" b="1"/>
+              <a:t>Role</a:t>
+            </a:r>
+            <a:r>
+              <a:rPr lang="en-US" sz="2800"/>
+              <a:t>:</a:t>
+            </a:r>
+          </a:p>
+          <a:p>
+            <a:pPr lvl="1"/>
+            <a:r>
+              <a:rPr lang="en-US" sz="2400"/>
+              <a:t>Adds a penalty term to the loss function</a:t>
+            </a:r>
+          </a:p>
+          <a:p>
+            <a:pPr lvl="1"/>
+            <a:r>
+              <a:rPr lang="en-US" sz="2400"/>
+              <a:t>Discourages overly large weights</a:t>
+            </a:r>
+          </a:p>
+          <a:p>
+            <a:pPr lvl="1"/>
+            <a:r>
+              <a:rPr lang="en-US" sz="2400"/>
+              <a:t>Simplifies the decision boundary</a:t>
+            </a:r>
+          </a:p>
+          <a:p>
+            <a:r>
+              <a:rPr lang="en-US" sz="2800" b="1"/>
+              <a:t>Effect</a:t>
+            </a:r>
+            <a:r>
+              <a:rPr lang="en-US" sz="2800"/>
+              <a:t>:</a:t>
+            </a:r>
+          </a:p>
+          <a:p>
+            <a:pPr lvl="1"/>
+            <a:r>
+              <a:rPr lang="en-US" sz="2400"/>
+              <a:t>Reduces variance &amp; improves generalization</a:t>
+            </a:r>
+          </a:p>
+          <a:p>
+            <a:pPr lvl="1"/>
+            <a:r>
+              <a:rPr lang="en-US" sz="2400"/>
+              <a:t>Helps balance bias-variance tradeoff</a:t>
+            </a:r>
+          </a:p>
+          <a:p>
+            <a:r>
+              <a:rPr lang="en-US" sz="2800" b="1"/>
+              <a:t>In Code</a:t>
+            </a:r>
+            <a:r>
+              <a:rPr lang="en-US" sz="2800"/>
+              <a:t>:</a:t>
+            </a:r>
+          </a:p>
+          <a:p>
+            <a:pPr lvl="1"/>
+            <a:r>
+              <a:rPr lang="en-US" sz="2400"/>
+              <a:t>Log Reg &amp; SVM in scikit-learn use C as a regularization strength</a:t>
+            </a:r>
+          </a:p>
+          <a:p>
+            <a:pPr lvl="1"/>
+            <a:r>
+              <a:rPr lang="en-US" sz="2400"/>
+              <a:t>Smaller C = stronger regularization = smoother boundaries &amp; less overfitting</a:t>
+            </a:r>
+          </a:p>
+        </p:txBody>
+      </p:sp>
+    </p:spTree>
+    <p:extLst>
+      <p:ext uri="{BB962C8B-B14F-4D97-AF65-F5344CB8AC3E}">
+        <p14:creationId xmlns:p14="http://schemas.microsoft.com/office/powerpoint/2010/main" val="1030513007"/>
+      </p:ext>
+    </p:extLst>
+  </p:cSld>
+  <p:clrMapOvr>
+    <a:masterClrMapping/>
+  </p:clrMapOvr>
+</p:sld>
+</file>
+
+<file path=ppt/slides/slide14.xml><?xml version="1.0" encoding="utf-8"?>
+<p:sld xmlns:a="http://schemas.openxmlformats.org/drawingml/2006/main" xmlns:r="http://schemas.openxmlformats.org/officeDocument/2006/relationships" xmlns:p="http://schemas.openxmlformats.org/presentationml/2006/main">
+  <p:cSld>
+    <p:spTree>
+      <p:nvGrpSpPr>
+        <p:cNvPr id="1" name=""/>
+        <p:cNvGrpSpPr/>
+        <p:nvPr/>
+      </p:nvGrpSpPr>
+      <p:grpSpPr>
+        <a:xfrm>
+          <a:off x="0" y="0"/>
+          <a:ext cx="0" cy="0"/>
+          <a:chOff x="0" y="0"/>
+          <a:chExt cx="0" cy="0"/>
+        </a:xfrm>
+      </p:grpSpPr>
+      <p:sp>
+        <p:nvSpPr>
+          <p:cNvPr id="2" name="Title 1">
+            <a:extLst>
+              <a:ext uri="{FF2B5EF4-FFF2-40B4-BE49-F238E27FC236}">
+                <a16:creationId xmlns:a16="http://schemas.microsoft.com/office/drawing/2014/main" id="{6E0878A0-8AEA-6EE1-30B5-9B994F13DCC9}"/>
+              </a:ext>
+            </a:extLst>
+          </p:cNvPr>
+          <p:cNvSpPr>
+            <a:spLocks noGrp="1"/>
+          </p:cNvSpPr>
+          <p:nvPr>
+            <p:ph type="title"/>
+          </p:nvPr>
+        </p:nvSpPr>
+        <p:spPr/>
+        <p:txBody>
+          <a:bodyPr/>
+          <a:lstStyle/>
+          <a:p>
+            <a:r>
+              <a:rPr lang="en-US"/>
+              <a:t>Log Reg + </a:t>
+            </a:r>
+            <a:r>
+              <a:rPr lang="en-US" err="1"/>
+              <a:t>GridSearchCV</a:t>
+            </a:r>
+            <a:endParaRPr lang="en-US"/>
+          </a:p>
+        </p:txBody>
+      </p:sp>
+      <p:sp>
+        <p:nvSpPr>
+          <p:cNvPr id="6" name="Content Placeholder 5">
+            <a:extLst>
+              <a:ext uri="{FF2B5EF4-FFF2-40B4-BE49-F238E27FC236}">
+                <a16:creationId xmlns:a16="http://schemas.microsoft.com/office/drawing/2014/main" id="{97D1FC46-1B2A-B817-00EB-6CEB42F4B700}"/>
+              </a:ext>
+            </a:extLst>
+          </p:cNvPr>
+          <p:cNvSpPr>
+            <a:spLocks noGrp="1"/>
+          </p:cNvSpPr>
+          <p:nvPr>
+            <p:ph idx="1"/>
+          </p:nvPr>
+        </p:nvSpPr>
+        <p:spPr/>
+        <p:txBody>
+          <a:bodyPr vert="horz" lIns="91440" tIns="45720" rIns="91440" bIns="45720" rtlCol="0" anchor="t">
+            <a:normAutofit/>
+          </a:bodyPr>
+          <a:lstStyle/>
+          <a:p>
+            <a:pPr marL="342900" indent="-342900"/>
             <a:r>
               <a:rPr lang="en-US"/>
               <a:t>Best params:</a:t>
@@ -8401,6 +9274,7 @@
             </a:r>
           </a:p>
           <a:p>
+            <a:pPr marL="342900" indent="-342900"/>
             <a:r>
               <a:rPr lang="en-US"/>
               <a:t>Accuracy:</a:t>
@@ -8412,7 +9286,32 @@
             </a:pPr>
             <a:r>
               <a:rPr lang="en-US"/>
-              <a:t> 0.8486</a:t>
+              <a:t>0.8486</a:t>
+            </a:r>
+          </a:p>
+          <a:p>
+            <a:pPr marL="342900" indent="-342900"/>
+            <a:r>
+              <a:rPr lang="en-US"/>
+              <a:t>Logistic Regression:</a:t>
+            </a:r>
+          </a:p>
+          <a:p>
+            <a:pPr marL="0" indent="0">
+              <a:buNone/>
+            </a:pPr>
+            <a:r>
+              <a:rPr lang="en-US"/>
+              <a:t>Linear boundary,</a:t>
+            </a:r>
+          </a:p>
+          <a:p>
+            <a:pPr marL="0" indent="0">
+              <a:buNone/>
+            </a:pPr>
+            <a:r>
+              <a:rPr lang="en-US"/>
+              <a:t>probability-based</a:t>
             </a:r>
           </a:p>
         </p:txBody>
@@ -8460,7 +9359,7 @@
 </p:sld>
 </file>
 
-<file path=ppt/slides/slide11.xml><?xml version="1.0" encoding="utf-8"?>
+<file path=ppt/slides/slide15.xml><?xml version="1.0" encoding="utf-8"?>
 <p:sld xmlns:a="http://schemas.openxmlformats.org/drawingml/2006/main" xmlns:r="http://schemas.openxmlformats.org/officeDocument/2006/relationships" xmlns:p="http://schemas.openxmlformats.org/presentationml/2006/main">
   <p:cSld>
     <p:spTree>
@@ -8526,11 +9425,19 @@
             <p:ph idx="1"/>
           </p:nvPr>
         </p:nvSpPr>
-        <p:spPr/>
-        <p:txBody>
-          <a:bodyPr/>
+        <p:spPr>
+          <a:xfrm>
+            <a:off x="690716" y="2034561"/>
+            <a:ext cx="10515600" cy="3859742"/>
+          </a:xfrm>
+        </p:spPr>
+        <p:txBody>
+          <a:bodyPr vert="horz" lIns="91440" tIns="45720" rIns="91440" bIns="45720" rtlCol="0" anchor="t">
+            <a:normAutofit/>
+          </a:bodyPr>
           <a:lstStyle/>
           <a:p>
+            <a:pPr marL="342900" indent="-342900"/>
             <a:r>
               <a:rPr lang="en-US"/>
               <a:t>Best params:</a:t>
@@ -8542,10 +9449,11 @@
             </a:pPr>
             <a:r>
               <a:rPr lang="en-US"/>
-              <a:t> C: 1.0</a:t>
-            </a:r>
-          </a:p>
-          <a:p>
+              <a:t>C: 1.0</a:t>
+            </a:r>
+          </a:p>
+          <a:p>
+            <a:pPr marL="342900" indent="-342900"/>
             <a:r>
               <a:rPr lang="en-US"/>
               <a:t>Accuracy:</a:t>
@@ -8557,8 +9465,65 @@
             </a:pPr>
             <a:r>
               <a:rPr lang="en-US"/>
-              <a:t> 0.8463</a:t>
-            </a:r>
+              <a:t>0.8463</a:t>
+            </a:r>
+          </a:p>
+          <a:p>
+            <a:pPr marL="342900" indent="-342900">
+              <a:lnSpc>
+                <a:spcPct val="100000"/>
+              </a:lnSpc>
+              <a:spcBef>
+                <a:spcPct val="0"/>
+              </a:spcBef>
+              <a:spcAft>
+                <a:spcPct val="0"/>
+              </a:spcAft>
+            </a:pPr>
+            <a:r>
+              <a:rPr lang="en-US"/>
+              <a:t>Linear SVM:</a:t>
+            </a:r>
+          </a:p>
+          <a:p>
+            <a:pPr marL="0" indent="0">
+              <a:lnSpc>
+                <a:spcPct val="100000"/>
+              </a:lnSpc>
+              <a:spcBef>
+                <a:spcPct val="0"/>
+              </a:spcBef>
+              <a:spcAft>
+                <a:spcPct val="0"/>
+              </a:spcAft>
+              <a:buNone/>
+            </a:pPr>
+            <a:r>
+              <a:rPr lang="en-US"/>
+              <a:t>Linear margin,</a:t>
+            </a:r>
+          </a:p>
+          <a:p>
+            <a:pPr marL="0" indent="0">
+              <a:lnSpc>
+                <a:spcPct val="100000"/>
+              </a:lnSpc>
+              <a:spcBef>
+                <a:spcPct val="0"/>
+              </a:spcBef>
+              <a:spcAft>
+                <a:spcPct val="0"/>
+              </a:spcAft>
+              <a:buNone/>
+            </a:pPr>
+            <a:r>
+              <a:rPr lang="en-US"/>
+              <a:t>relies on support vectors</a:t>
+            </a:r>
+          </a:p>
+          <a:p>
+            <a:pPr marL="342900" indent="-342900"/>
+            <a:endParaRPr lang="en-US"/>
           </a:p>
         </p:txBody>
       </p:sp>
@@ -8605,7 +9570,7 @@
 </p:sld>
 </file>
 
-<file path=ppt/slides/slide12.xml><?xml version="1.0" encoding="utf-8"?>
+<file path=ppt/slides/slide16.xml><?xml version="1.0" encoding="utf-8"?>
 <p:sld xmlns:a="http://schemas.openxmlformats.org/drawingml/2006/main" xmlns:r="http://schemas.openxmlformats.org/officeDocument/2006/relationships" xmlns:p="http://schemas.openxmlformats.org/presentationml/2006/main">
   <p:cSld>
     <p:spTree>
@@ -8671,7 +9636,7 @@
         </p:nvSpPr>
         <p:spPr>
           <a:xfrm>
-            <a:off x="838200" y="1825625"/>
+            <a:off x="616974" y="1715012"/>
             <a:ext cx="10515600" cy="3859742"/>
           </a:xfrm>
           <a:prstGeom prst="rect">
@@ -8679,7 +9644,7 @@
           </a:prstGeom>
         </p:spPr>
         <p:txBody>
-          <a:bodyPr vert="horz" lIns="91440" tIns="45720" rIns="91440" bIns="45720" rtlCol="0">
+          <a:bodyPr vert="horz" lIns="91440" tIns="45720" rIns="91440" bIns="45720" rtlCol="0" anchor="t">
             <a:normAutofit/>
           </a:bodyPr>
           <a:lstStyle>
@@ -8847,6 +9812,7 @@
             </a:lvl9pPr>
           </a:lstStyle>
           <a:p>
+            <a:pPr marL="342900" indent="-342900"/>
             <a:r>
               <a:rPr lang="en-US"/>
               <a:t>Best params:</a:t>
@@ -8858,7 +9824,7 @@
             </a:pPr>
             <a:r>
               <a:rPr lang="en-US"/>
-              <a:t> C: 1.0</a:t>
+              <a:t>C: 1.0</a:t>
             </a:r>
           </a:p>
           <a:p>
@@ -8871,6 +9837,7 @@
             </a:r>
           </a:p>
           <a:p>
+            <a:pPr marL="342900" indent="-342900"/>
             <a:r>
               <a:rPr lang="en-US"/>
               <a:t>Accuracy:</a:t>
@@ -8882,8 +9849,67 @@
             </a:pPr>
             <a:r>
               <a:rPr lang="en-US"/>
-              <a:t> 0.8488</a:t>
-            </a:r>
+              <a:t>0.8488</a:t>
+            </a:r>
+          </a:p>
+          <a:p>
+            <a:pPr marL="342900" indent="-342900">
+              <a:lnSpc>
+                <a:spcPct val="100000"/>
+              </a:lnSpc>
+              <a:spcBef>
+                <a:spcPct val="0"/>
+              </a:spcBef>
+              <a:spcAft>
+                <a:spcPct val="0"/>
+              </a:spcAft>
+            </a:pPr>
+            <a:r>
+              <a:rPr lang="en-US"/>
+              <a:t>RBF SVM:</a:t>
+            </a:r>
+          </a:p>
+          <a:p>
+            <a:pPr marL="0" indent="0">
+              <a:lnSpc>
+                <a:spcPct val="100000"/>
+              </a:lnSpc>
+              <a:spcBef>
+                <a:spcPct val="0"/>
+              </a:spcBef>
+              <a:spcAft>
+                <a:spcPct val="0"/>
+              </a:spcAft>
+              <a:buNone/>
+            </a:pPr>
+            <a:r>
+              <a:rPr lang="en-US"/>
+              <a:t>Nonlinear boundary,</a:t>
+            </a:r>
+          </a:p>
+          <a:p>
+            <a:pPr marL="0" indent="0">
+              <a:lnSpc>
+                <a:spcPct val="100000"/>
+              </a:lnSpc>
+              <a:spcBef>
+                <a:spcPct val="0"/>
+              </a:spcBef>
+              <a:spcAft>
+                <a:spcPct val="0"/>
+              </a:spcAft>
+              <a:buNone/>
+            </a:pPr>
+            <a:r>
+              <a:rPr lang="en-US"/>
+              <a:t>adapts to complex patterns</a:t>
+            </a:r>
+          </a:p>
+          <a:p>
+            <a:pPr marL="0" indent="0">
+              <a:buNone/>
+            </a:pPr>
+            <a:endParaRPr lang="en-US"/>
           </a:p>
         </p:txBody>
       </p:sp>
@@ -8929,1078 +9955,7 @@
 </p:sld>
 </file>
 
-<file path=ppt/slides/slide13.xml><?xml version="1.0" encoding="utf-8"?>
-<p:sld xmlns:a="http://schemas.openxmlformats.org/drawingml/2006/main" xmlns:r="http://schemas.openxmlformats.org/officeDocument/2006/relationships" xmlns:p="http://schemas.openxmlformats.org/presentationml/2006/main">
-  <p:cSld>
-    <p:spTree>
-      <p:nvGrpSpPr>
-        <p:cNvPr id="1" name=""/>
-        <p:cNvGrpSpPr/>
-        <p:nvPr/>
-      </p:nvGrpSpPr>
-      <p:grpSpPr>
-        <a:xfrm>
-          <a:off x="0" y="0"/>
-          <a:ext cx="0" cy="0"/>
-          <a:chOff x="0" y="0"/>
-          <a:chExt cx="0" cy="0"/>
-        </a:xfrm>
-      </p:grpSpPr>
-      <p:sp>
-        <p:nvSpPr>
-          <p:cNvPr id="2" name="Title 1">
-            <a:extLst>
-              <a:ext uri="{FF2B5EF4-FFF2-40B4-BE49-F238E27FC236}">
-                <a16:creationId xmlns:a16="http://schemas.microsoft.com/office/drawing/2014/main" id="{5386DC47-DC3E-9154-8044-B9592DA10808}"/>
-              </a:ext>
-            </a:extLst>
-          </p:cNvPr>
-          <p:cNvSpPr>
-            <a:spLocks noGrp="1"/>
-          </p:cNvSpPr>
-          <p:nvPr>
-            <p:ph type="title"/>
-          </p:nvPr>
-        </p:nvSpPr>
-        <p:spPr/>
-        <p:txBody>
-          <a:bodyPr/>
-          <a:lstStyle/>
-          <a:p>
-            <a:r>
-              <a:rPr lang="en-US"/>
-              <a:t>Decision Boundaries – Log Reg. vs. SVM</a:t>
-            </a:r>
-          </a:p>
-        </p:txBody>
-      </p:sp>
-      <p:sp>
-        <p:nvSpPr>
-          <p:cNvPr id="4" name="Rectangle 2">
-            <a:extLst>
-              <a:ext uri="{FF2B5EF4-FFF2-40B4-BE49-F238E27FC236}">
-                <a16:creationId xmlns:a16="http://schemas.microsoft.com/office/drawing/2014/main" id="{316B0545-4CAF-1EF3-3049-831BB67D23BA}"/>
-              </a:ext>
-            </a:extLst>
-          </p:cNvPr>
-          <p:cNvSpPr>
-            <a:spLocks noChangeArrowheads="1"/>
-          </p:cNvSpPr>
-          <p:nvPr/>
-        </p:nvSpPr>
-        <p:spPr bwMode="auto">
-          <a:xfrm>
-            <a:off x="716930" y="1536173"/>
-            <a:ext cx="10758140" cy="3785652"/>
-          </a:xfrm>
-          <a:prstGeom prst="rect">
-            <a:avLst/>
-          </a:prstGeom>
-          <a:noFill/>
-          <a:ln>
-            <a:noFill/>
-          </a:ln>
-          <a:effectLst/>
-          <a:extLst>
-            <a:ext uri="{909E8E84-426E-40DD-AFC4-6F175D3DCCD1}">
-              <a14:hiddenFill xmlns:a14="http://schemas.microsoft.com/office/drawing/2010/main">
-                <a:solidFill>
-                  <a:schemeClr val="accent1"/>
-                </a:solidFill>
-              </a14:hiddenFill>
-            </a:ext>
-            <a:ext uri="{91240B29-F687-4F45-9708-019B960494DF}">
-              <a14:hiddenLine xmlns:a14="http://schemas.microsoft.com/office/drawing/2010/main" w="9525">
-                <a:solidFill>
-                  <a:schemeClr val="tx1"/>
-                </a:solidFill>
-                <a:miter lim="800000"/>
-                <a:headEnd/>
-                <a:tailEnd/>
-              </a14:hiddenLine>
-            </a:ext>
-            <a:ext uri="{AF507438-7753-43E0-B8FC-AC1667EBCBE1}">
-              <a14:hiddenEffects xmlns:a14="http://schemas.microsoft.com/office/drawing/2010/main">
-                <a:effectLst>
-                  <a:outerShdw dist="35921" dir="2700000" algn="ctr" rotWithShape="0">
-                    <a:schemeClr val="bg2"/>
-                  </a:outerShdw>
-                </a:effectLst>
-              </a14:hiddenEffects>
-            </a:ext>
-          </a:extLst>
-        </p:spPr>
-        <p:txBody>
-          <a:bodyPr vert="horz" wrap="square" lIns="91440" tIns="45720" rIns="91440" bIns="45720" numCol="1" anchor="ctr" anchorCtr="0" compatLnSpc="1">
-            <a:prstTxWarp prst="textNoShape">
-              <a:avLst/>
-            </a:prstTxWarp>
-            <a:spAutoFit/>
-          </a:bodyPr>
-          <a:lstStyle/>
-          <a:p>
-            <a:pPr marL="0" marR="0" lvl="0" indent="0" algn="l" defTabSz="914400" rtl="0" eaLnBrk="0" fontAlgn="base" latinLnBrk="0" hangingPunct="0">
-              <a:lnSpc>
-                <a:spcPct val="100000"/>
-              </a:lnSpc>
-              <a:spcBef>
-                <a:spcPct val="0"/>
-              </a:spcBef>
-              <a:spcAft>
-                <a:spcPct val="0"/>
-              </a:spcAft>
-              <a:buClrTx/>
-              <a:buSzTx/>
-              <a:buFontTx/>
-              <a:buChar char="•"/>
-              <a:tabLst/>
-            </a:pPr>
-            <a:r>
-              <a:rPr kumimoji="0" lang="en-US" altLang="en-US" sz="2400" b="1" i="0" u="none" strike="noStrike" cap="none" normalizeH="0" baseline="0">
-                <a:ln>
-                  <a:noFill/>
-                </a:ln>
-                <a:solidFill>
-                  <a:schemeClr val="tx1"/>
-                </a:solidFill>
-                <a:effectLst/>
-              </a:rPr>
-              <a:t>Logistic Regression</a:t>
-            </a:r>
-            <a:r>
-              <a:rPr kumimoji="0" lang="en-US" altLang="en-US" sz="2400" b="0" i="0" u="none" strike="noStrike" cap="none" normalizeH="0" baseline="0">
-                <a:ln>
-                  <a:noFill/>
-                </a:ln>
-                <a:solidFill>
-                  <a:schemeClr val="tx1"/>
-                </a:solidFill>
-                <a:effectLst/>
-              </a:rPr>
-              <a:t> → Linear boundary, probability-based</a:t>
-            </a:r>
-          </a:p>
-          <a:p>
-            <a:pPr marL="0" marR="0" lvl="0" indent="0" algn="l" defTabSz="914400" rtl="0" eaLnBrk="0" fontAlgn="base" latinLnBrk="0" hangingPunct="0">
-              <a:lnSpc>
-                <a:spcPct val="100000"/>
-              </a:lnSpc>
-              <a:spcBef>
-                <a:spcPct val="0"/>
-              </a:spcBef>
-              <a:spcAft>
-                <a:spcPct val="0"/>
-              </a:spcAft>
-              <a:buClrTx/>
-              <a:buSzTx/>
-              <a:buFontTx/>
-              <a:buChar char="•"/>
-              <a:tabLst/>
-            </a:pPr>
-            <a:endParaRPr kumimoji="0" lang="en-US" altLang="en-US" sz="2400" b="0" i="0" u="none" strike="noStrike" cap="none" normalizeH="0" baseline="0">
-              <a:ln>
-                <a:noFill/>
-              </a:ln>
-              <a:solidFill>
-                <a:schemeClr val="tx1"/>
-              </a:solidFill>
-              <a:effectLst/>
-            </a:endParaRPr>
-          </a:p>
-          <a:p>
-            <a:pPr marL="0" marR="0" lvl="0" indent="0" algn="l" defTabSz="914400" rtl="0" eaLnBrk="0" fontAlgn="base" latinLnBrk="0" hangingPunct="0">
-              <a:lnSpc>
-                <a:spcPct val="100000"/>
-              </a:lnSpc>
-              <a:spcBef>
-                <a:spcPct val="0"/>
-              </a:spcBef>
-              <a:spcAft>
-                <a:spcPct val="0"/>
-              </a:spcAft>
-              <a:buClrTx/>
-              <a:buSzTx/>
-              <a:buFontTx/>
-              <a:buChar char="•"/>
-              <a:tabLst/>
-            </a:pPr>
-            <a:r>
-              <a:rPr kumimoji="0" lang="en-US" altLang="en-US" sz="2400" b="1" i="0" u="none" strike="noStrike" cap="none" normalizeH="0" baseline="0">
-                <a:ln>
-                  <a:noFill/>
-                </a:ln>
-                <a:solidFill>
-                  <a:schemeClr val="tx1"/>
-                </a:solidFill>
-                <a:effectLst/>
-              </a:rPr>
-              <a:t>Linear SVM</a:t>
-            </a:r>
-            <a:r>
-              <a:rPr kumimoji="0" lang="en-US" altLang="en-US" sz="2400" b="0" i="0" u="none" strike="noStrike" cap="none" normalizeH="0" baseline="0">
-                <a:ln>
-                  <a:noFill/>
-                </a:ln>
-                <a:solidFill>
-                  <a:schemeClr val="tx1"/>
-                </a:solidFill>
-                <a:effectLst/>
-              </a:rPr>
-              <a:t> → Linear margin, relies on support vectors</a:t>
-            </a:r>
-          </a:p>
-          <a:p>
-            <a:pPr marL="0" marR="0" lvl="0" indent="0" algn="l" defTabSz="914400" rtl="0" eaLnBrk="0" fontAlgn="base" latinLnBrk="0" hangingPunct="0">
-              <a:lnSpc>
-                <a:spcPct val="100000"/>
-              </a:lnSpc>
-              <a:spcBef>
-                <a:spcPct val="0"/>
-              </a:spcBef>
-              <a:spcAft>
-                <a:spcPct val="0"/>
-              </a:spcAft>
-              <a:buClrTx/>
-              <a:buSzTx/>
-              <a:buFontTx/>
-              <a:buChar char="•"/>
-              <a:tabLst/>
-            </a:pPr>
-            <a:endParaRPr kumimoji="0" lang="en-US" altLang="en-US" sz="2400" b="0" i="0" u="none" strike="noStrike" cap="none" normalizeH="0" baseline="0">
-              <a:ln>
-                <a:noFill/>
-              </a:ln>
-              <a:solidFill>
-                <a:schemeClr val="tx1"/>
-              </a:solidFill>
-              <a:effectLst/>
-            </a:endParaRPr>
-          </a:p>
-          <a:p>
-            <a:pPr marL="0" marR="0" lvl="0" indent="0" algn="l" defTabSz="914400" rtl="0" eaLnBrk="0" fontAlgn="base" latinLnBrk="0" hangingPunct="0">
-              <a:lnSpc>
-                <a:spcPct val="100000"/>
-              </a:lnSpc>
-              <a:spcBef>
-                <a:spcPct val="0"/>
-              </a:spcBef>
-              <a:spcAft>
-                <a:spcPct val="0"/>
-              </a:spcAft>
-              <a:buClrTx/>
-              <a:buSzTx/>
-              <a:buFontTx/>
-              <a:buChar char="•"/>
-              <a:tabLst/>
-            </a:pPr>
-            <a:r>
-              <a:rPr kumimoji="0" lang="en-US" altLang="en-US" sz="2400" b="1" i="0" u="none" strike="noStrike" cap="none" normalizeH="0" baseline="0">
-                <a:ln>
-                  <a:noFill/>
-                </a:ln>
-                <a:solidFill>
-                  <a:schemeClr val="tx1"/>
-                </a:solidFill>
-                <a:effectLst/>
-              </a:rPr>
-              <a:t>RBF SVM</a:t>
-            </a:r>
-            <a:r>
-              <a:rPr kumimoji="0" lang="en-US" altLang="en-US" sz="2400" b="0" i="0" u="none" strike="noStrike" cap="none" normalizeH="0" baseline="0">
-                <a:ln>
-                  <a:noFill/>
-                </a:ln>
-                <a:solidFill>
-                  <a:schemeClr val="tx1"/>
-                </a:solidFill>
-                <a:effectLst/>
-              </a:rPr>
-              <a:t> → Nonlinear boundary, adapts to complex patterns</a:t>
-            </a:r>
-          </a:p>
-          <a:p>
-            <a:pPr marL="0" marR="0" lvl="0" indent="0" algn="l" defTabSz="914400" rtl="0" eaLnBrk="0" fontAlgn="base" latinLnBrk="0" hangingPunct="0">
-              <a:lnSpc>
-                <a:spcPct val="100000"/>
-              </a:lnSpc>
-              <a:spcBef>
-                <a:spcPct val="0"/>
-              </a:spcBef>
-              <a:spcAft>
-                <a:spcPct val="0"/>
-              </a:spcAft>
-              <a:buClrTx/>
-              <a:buSzTx/>
-              <a:buFontTx/>
-              <a:buChar char="•"/>
-              <a:tabLst/>
-            </a:pPr>
-            <a:endParaRPr kumimoji="0" lang="en-US" altLang="en-US" sz="2400" b="0" i="0" u="none" strike="noStrike" cap="none" normalizeH="0" baseline="0">
-              <a:ln>
-                <a:noFill/>
-              </a:ln>
-              <a:solidFill>
-                <a:schemeClr val="tx1"/>
-              </a:solidFill>
-              <a:effectLst/>
-            </a:endParaRPr>
-          </a:p>
-          <a:p>
-            <a:pPr marL="0" marR="0" lvl="0" indent="0" algn="l" defTabSz="914400" rtl="0" eaLnBrk="0" fontAlgn="base" latinLnBrk="0" hangingPunct="0">
-              <a:lnSpc>
-                <a:spcPct val="100000"/>
-              </a:lnSpc>
-              <a:spcBef>
-                <a:spcPct val="0"/>
-              </a:spcBef>
-              <a:spcAft>
-                <a:spcPct val="0"/>
-              </a:spcAft>
-              <a:buClrTx/>
-              <a:buSzTx/>
-              <a:buFontTx/>
-              <a:buChar char="•"/>
-              <a:tabLst/>
-            </a:pPr>
-            <a:r>
-              <a:rPr kumimoji="0" lang="en-US" altLang="en-US" sz="2400" b="1" i="0" u="none" strike="noStrike" cap="none" normalizeH="0" baseline="0">
-                <a:ln>
-                  <a:noFill/>
-                </a:ln>
-                <a:solidFill>
-                  <a:schemeClr val="tx1"/>
-                </a:solidFill>
-                <a:effectLst/>
-              </a:rPr>
-              <a:t>Key Difference</a:t>
-            </a:r>
-            <a:r>
-              <a:rPr kumimoji="0" lang="en-US" altLang="en-US" sz="2400" b="0" i="0" u="none" strike="noStrike" cap="none" normalizeH="0" baseline="0">
-                <a:ln>
-                  <a:noFill/>
-                </a:ln>
-                <a:solidFill>
-                  <a:schemeClr val="tx1"/>
-                </a:solidFill>
-                <a:effectLst/>
-              </a:rPr>
-              <a:t> → RBF captures curves; linear models stick to straight lines</a:t>
-            </a:r>
-          </a:p>
-          <a:p>
-            <a:pPr marL="0" marR="0" lvl="0" indent="0" algn="l" defTabSz="914400" rtl="0" eaLnBrk="0" fontAlgn="base" latinLnBrk="0" hangingPunct="0">
-              <a:lnSpc>
-                <a:spcPct val="100000"/>
-              </a:lnSpc>
-              <a:spcBef>
-                <a:spcPct val="0"/>
-              </a:spcBef>
-              <a:spcAft>
-                <a:spcPct val="0"/>
-              </a:spcAft>
-              <a:buClrTx/>
-              <a:buSzTx/>
-              <a:buFontTx/>
-              <a:buChar char="•"/>
-              <a:tabLst/>
-            </a:pPr>
-            <a:endParaRPr kumimoji="0" lang="en-US" altLang="en-US" sz="2400" b="0" i="0" u="none" strike="noStrike" cap="none" normalizeH="0" baseline="0">
-              <a:ln>
-                <a:noFill/>
-              </a:ln>
-              <a:solidFill>
-                <a:schemeClr val="tx1"/>
-              </a:solidFill>
-              <a:effectLst/>
-            </a:endParaRPr>
-          </a:p>
-          <a:p>
-            <a:pPr marL="0" marR="0" lvl="0" indent="0" algn="l" defTabSz="914400" rtl="0" eaLnBrk="0" fontAlgn="base" latinLnBrk="0" hangingPunct="0">
-              <a:lnSpc>
-                <a:spcPct val="100000"/>
-              </a:lnSpc>
-              <a:spcBef>
-                <a:spcPct val="0"/>
-              </a:spcBef>
-              <a:spcAft>
-                <a:spcPct val="0"/>
-              </a:spcAft>
-              <a:buClrTx/>
-              <a:buSzTx/>
-              <a:buFontTx/>
-              <a:buChar char="•"/>
-              <a:tabLst/>
-            </a:pPr>
-            <a:r>
-              <a:rPr kumimoji="0" lang="en-US" altLang="en-US" sz="2400" b="1" i="0" u="none" strike="noStrike" cap="none" normalizeH="0" baseline="0">
-                <a:ln>
-                  <a:noFill/>
-                </a:ln>
-                <a:solidFill>
-                  <a:schemeClr val="tx1"/>
-                </a:solidFill>
-                <a:effectLst/>
-              </a:rPr>
-              <a:t>Observation</a:t>
-            </a:r>
-            <a:r>
-              <a:rPr kumimoji="0" lang="en-US" altLang="en-US" sz="2400" b="0" i="0" u="none" strike="noStrike" cap="none" normalizeH="0" baseline="0">
-                <a:ln>
-                  <a:noFill/>
-                </a:ln>
-                <a:solidFill>
-                  <a:schemeClr val="tx1"/>
-                </a:solidFill>
-                <a:effectLst/>
-              </a:rPr>
-              <a:t> → RBF gave the highest accuracy (0.8488)</a:t>
-            </a:r>
-          </a:p>
-        </p:txBody>
-      </p:sp>
-    </p:spTree>
-    <p:extLst>
-      <p:ext uri="{BB962C8B-B14F-4D97-AF65-F5344CB8AC3E}">
-        <p14:creationId xmlns:p14="http://schemas.microsoft.com/office/powerpoint/2010/main" val="718699312"/>
-      </p:ext>
-    </p:extLst>
-  </p:cSld>
-  <p:clrMapOvr>
-    <a:masterClrMapping/>
-  </p:clrMapOvr>
-</p:sld>
-</file>
-
-<file path=ppt/slides/slide14.xml><?xml version="1.0" encoding="utf-8"?>
-<p:sld xmlns:a="http://schemas.openxmlformats.org/drawingml/2006/main" xmlns:r="http://schemas.openxmlformats.org/officeDocument/2006/relationships" xmlns:p="http://schemas.openxmlformats.org/presentationml/2006/main">
-  <p:cSld>
-    <p:spTree>
-      <p:nvGrpSpPr>
-        <p:cNvPr id="1" name=""/>
-        <p:cNvGrpSpPr/>
-        <p:nvPr/>
-      </p:nvGrpSpPr>
-      <p:grpSpPr>
-        <a:xfrm>
-          <a:off x="0" y="0"/>
-          <a:ext cx="0" cy="0"/>
-          <a:chOff x="0" y="0"/>
-          <a:chExt cx="0" cy="0"/>
-        </a:xfrm>
-      </p:grpSpPr>
-      <p:sp>
-        <p:nvSpPr>
-          <p:cNvPr id="2" name="Title 1">
-            <a:extLst>
-              <a:ext uri="{FF2B5EF4-FFF2-40B4-BE49-F238E27FC236}">
-                <a16:creationId xmlns:a16="http://schemas.microsoft.com/office/drawing/2014/main" id="{D938B74E-AF86-1CA8-AB10-0C981464A3A1}"/>
-              </a:ext>
-            </a:extLst>
-          </p:cNvPr>
-          <p:cNvSpPr>
-            <a:spLocks noGrp="1"/>
-          </p:cNvSpPr>
-          <p:nvPr>
-            <p:ph type="title"/>
-          </p:nvPr>
-        </p:nvSpPr>
-        <p:spPr/>
-        <p:txBody>
-          <a:bodyPr/>
-          <a:lstStyle/>
-          <a:p>
-            <a:r>
-              <a:rPr lang="en-US"/>
-              <a:t>Why is Feature Scaling Important for Gradient-Based Algorithms?</a:t>
-            </a:r>
-          </a:p>
-        </p:txBody>
-      </p:sp>
-      <p:sp>
-        <p:nvSpPr>
-          <p:cNvPr id="3" name="Content Placeholder 2">
-            <a:extLst>
-              <a:ext uri="{FF2B5EF4-FFF2-40B4-BE49-F238E27FC236}">
-                <a16:creationId xmlns:a16="http://schemas.microsoft.com/office/drawing/2014/main" id="{8076C966-B95A-B230-A034-3053069C2226}"/>
-              </a:ext>
-            </a:extLst>
-          </p:cNvPr>
-          <p:cNvSpPr>
-            <a:spLocks noGrp="1"/>
-          </p:cNvSpPr>
-          <p:nvPr>
-            <p:ph idx="1"/>
-          </p:nvPr>
-        </p:nvSpPr>
-        <p:spPr/>
-        <p:txBody>
-          <a:bodyPr>
-            <a:normAutofit/>
-          </a:bodyPr>
-          <a:lstStyle/>
-          <a:p>
-            <a:r>
-              <a:rPr lang="en-US" sz="2800"/>
-              <a:t>Gradient descent updates depend on feature magnitudes</a:t>
-            </a:r>
-          </a:p>
-          <a:p>
-            <a:r>
-              <a:rPr lang="en-US" sz="2800"/>
-              <a:t>Without scaling, large-scale features dominate updates</a:t>
-            </a:r>
-          </a:p>
-          <a:p>
-            <a:r>
-              <a:rPr lang="en-US" sz="2800"/>
-              <a:t>Leads to slow convergence or unstable learning</a:t>
-            </a:r>
-          </a:p>
-          <a:p>
-            <a:r>
-              <a:rPr lang="en-US" sz="2800"/>
-              <a:t>Standardizing features puts them on the same scale</a:t>
-            </a:r>
-          </a:p>
-          <a:p>
-            <a:r>
-              <a:rPr lang="en-US" sz="2800"/>
-              <a:t>Result: smoother, faster, and more reliable convergence (as seen in </a:t>
-            </a:r>
-            <a:r>
-              <a:rPr lang="en-US" sz="2800" err="1"/>
-              <a:t>AdalineGD</a:t>
-            </a:r>
-            <a:r>
-              <a:rPr lang="en-US" sz="2800"/>
-              <a:t>/SGD curves)</a:t>
-            </a:r>
-          </a:p>
-        </p:txBody>
-      </p:sp>
-    </p:spTree>
-    <p:extLst>
-      <p:ext uri="{BB962C8B-B14F-4D97-AF65-F5344CB8AC3E}">
-        <p14:creationId xmlns:p14="http://schemas.microsoft.com/office/powerpoint/2010/main" val="860459229"/>
-      </p:ext>
-    </p:extLst>
-  </p:cSld>
-  <p:clrMapOvr>
-    <a:masterClrMapping/>
-  </p:clrMapOvr>
-</p:sld>
-</file>
-
-<file path=ppt/slides/slide15.xml><?xml version="1.0" encoding="utf-8"?>
-<p:sld xmlns:a="http://schemas.openxmlformats.org/drawingml/2006/main" xmlns:r="http://schemas.openxmlformats.org/officeDocument/2006/relationships" xmlns:p="http://schemas.openxmlformats.org/presentationml/2006/main">
-  <p:cSld>
-    <p:spTree>
-      <p:nvGrpSpPr>
-        <p:cNvPr id="1" name=""/>
-        <p:cNvGrpSpPr/>
-        <p:nvPr/>
-      </p:nvGrpSpPr>
-      <p:grpSpPr>
-        <a:xfrm>
-          <a:off x="0" y="0"/>
-          <a:ext cx="0" cy="0"/>
-          <a:chOff x="0" y="0"/>
-          <a:chExt cx="0" cy="0"/>
-        </a:xfrm>
-      </p:grpSpPr>
-      <p:sp>
-        <p:nvSpPr>
-          <p:cNvPr id="2" name="Title 1">
-            <a:extLst>
-              <a:ext uri="{FF2B5EF4-FFF2-40B4-BE49-F238E27FC236}">
-                <a16:creationId xmlns:a16="http://schemas.microsoft.com/office/drawing/2014/main" id="{7BEEA381-287B-E9F7-8F1F-379AC930D0B0}"/>
-              </a:ext>
-            </a:extLst>
-          </p:cNvPr>
-          <p:cNvSpPr>
-            <a:spLocks noGrp="1"/>
-          </p:cNvSpPr>
-          <p:nvPr>
-            <p:ph type="title"/>
-          </p:nvPr>
-        </p:nvSpPr>
-        <p:spPr/>
-        <p:txBody>
-          <a:bodyPr/>
-          <a:lstStyle/>
-          <a:p>
-            <a:r>
-              <a:rPr lang="en-US"/>
-              <a:t>Batch Gradient Descent vs. Stochastic Gradient Descent</a:t>
-            </a:r>
-          </a:p>
-        </p:txBody>
-      </p:sp>
-      <p:sp>
-        <p:nvSpPr>
-          <p:cNvPr id="4" name="Text Placeholder 3">
-            <a:extLst>
-              <a:ext uri="{FF2B5EF4-FFF2-40B4-BE49-F238E27FC236}">
-                <a16:creationId xmlns:a16="http://schemas.microsoft.com/office/drawing/2014/main" id="{60FBB85D-DC32-B188-244B-A4ABD55E9156}"/>
-              </a:ext>
-            </a:extLst>
-          </p:cNvPr>
-          <p:cNvSpPr>
-            <a:spLocks noGrp="1"/>
-          </p:cNvSpPr>
-          <p:nvPr>
-            <p:ph type="body" idx="1"/>
-          </p:nvPr>
-        </p:nvSpPr>
-        <p:spPr/>
-        <p:txBody>
-          <a:bodyPr/>
-          <a:lstStyle/>
-          <a:p>
-            <a:r>
-              <a:rPr lang="en-US"/>
-              <a:t>Batch Gradient Descent</a:t>
-            </a:r>
-          </a:p>
-        </p:txBody>
-      </p:sp>
-      <p:sp>
-        <p:nvSpPr>
-          <p:cNvPr id="5" name="Content Placeholder 4">
-            <a:extLst>
-              <a:ext uri="{FF2B5EF4-FFF2-40B4-BE49-F238E27FC236}">
-                <a16:creationId xmlns:a16="http://schemas.microsoft.com/office/drawing/2014/main" id="{5F124E18-1B44-F273-2A04-FB01AFE2C07A}"/>
-              </a:ext>
-            </a:extLst>
-          </p:cNvPr>
-          <p:cNvSpPr>
-            <a:spLocks noGrp="1"/>
-          </p:cNvSpPr>
-          <p:nvPr>
-            <p:ph sz="half" idx="2"/>
-          </p:nvPr>
-        </p:nvSpPr>
-        <p:spPr/>
-        <p:txBody>
-          <a:bodyPr/>
-          <a:lstStyle/>
-          <a:p>
-            <a:r>
-              <a:rPr lang="en-US"/>
-              <a:t>Updates weights once per epoch using entire dataset</a:t>
-            </a:r>
-          </a:p>
-          <a:p>
-            <a:r>
-              <a:rPr lang="en-US"/>
-              <a:t>Produces smooth, gradually declining MSE curve</a:t>
-            </a:r>
-          </a:p>
-          <a:p>
-            <a:r>
-              <a:rPr lang="en-US"/>
-              <a:t>Slower to converge</a:t>
-            </a:r>
-          </a:p>
-          <a:p>
-            <a:r>
-              <a:rPr lang="en-US"/>
-              <a:t>More stable</a:t>
-            </a:r>
-          </a:p>
-        </p:txBody>
-      </p:sp>
-      <p:sp>
-        <p:nvSpPr>
-          <p:cNvPr id="6" name="Text Placeholder 5">
-            <a:extLst>
-              <a:ext uri="{FF2B5EF4-FFF2-40B4-BE49-F238E27FC236}">
-                <a16:creationId xmlns:a16="http://schemas.microsoft.com/office/drawing/2014/main" id="{C02FE023-675A-5EEB-6E1E-C2CA01C69E63}"/>
-              </a:ext>
-            </a:extLst>
-          </p:cNvPr>
-          <p:cNvSpPr>
-            <a:spLocks noGrp="1"/>
-          </p:cNvSpPr>
-          <p:nvPr>
-            <p:ph type="body" sz="quarter" idx="3"/>
-          </p:nvPr>
-        </p:nvSpPr>
-        <p:spPr/>
-        <p:txBody>
-          <a:bodyPr/>
-          <a:lstStyle/>
-          <a:p>
-            <a:r>
-              <a:rPr lang="en-US"/>
-              <a:t>Stochastic Gradient Descent</a:t>
-            </a:r>
-          </a:p>
-        </p:txBody>
-      </p:sp>
-      <p:sp>
-        <p:nvSpPr>
-          <p:cNvPr id="7" name="Content Placeholder 6">
-            <a:extLst>
-              <a:ext uri="{FF2B5EF4-FFF2-40B4-BE49-F238E27FC236}">
-                <a16:creationId xmlns:a16="http://schemas.microsoft.com/office/drawing/2014/main" id="{05472CAD-652E-1817-B0DD-2AE5B4A83C3D}"/>
-              </a:ext>
-            </a:extLst>
-          </p:cNvPr>
-          <p:cNvSpPr>
-            <a:spLocks noGrp="1"/>
-          </p:cNvSpPr>
-          <p:nvPr>
-            <p:ph sz="quarter" idx="4"/>
-          </p:nvPr>
-        </p:nvSpPr>
-        <p:spPr/>
-        <p:txBody>
-          <a:bodyPr/>
-          <a:lstStyle/>
-          <a:p>
-            <a:r>
-              <a:rPr lang="en-US"/>
-              <a:t>Updates weights after each training sample</a:t>
-            </a:r>
-          </a:p>
-          <a:p>
-            <a:r>
-              <a:rPr lang="en-US"/>
-              <a:t>Learns much faster</a:t>
-            </a:r>
-          </a:p>
-          <a:p>
-            <a:r>
-              <a:rPr lang="en-US"/>
-              <a:t>Sharper early drop in MSE</a:t>
-            </a:r>
-          </a:p>
-          <a:p>
-            <a:r>
-              <a:rPr lang="en-US"/>
-              <a:t>Curve can be noisier, but converges quicker on large datasets</a:t>
-            </a:r>
-          </a:p>
-        </p:txBody>
-      </p:sp>
-    </p:spTree>
-    <p:extLst>
-      <p:ext uri="{BB962C8B-B14F-4D97-AF65-F5344CB8AC3E}">
-        <p14:creationId xmlns:p14="http://schemas.microsoft.com/office/powerpoint/2010/main" val="4196355125"/>
-      </p:ext>
-    </p:extLst>
-  </p:cSld>
-  <p:clrMapOvr>
-    <a:masterClrMapping/>
-  </p:clrMapOvr>
-</p:sld>
-</file>
-
-<file path=ppt/slides/slide16.xml><?xml version="1.0" encoding="utf-8"?>
-<p:sld xmlns:a="http://schemas.openxmlformats.org/drawingml/2006/main" xmlns:r="http://schemas.openxmlformats.org/officeDocument/2006/relationships" xmlns:p="http://schemas.openxmlformats.org/presentationml/2006/main">
-  <p:cSld>
-    <p:spTree>
-      <p:nvGrpSpPr>
-        <p:cNvPr id="1" name=""/>
-        <p:cNvGrpSpPr/>
-        <p:nvPr/>
-      </p:nvGrpSpPr>
-      <p:grpSpPr>
-        <a:xfrm>
-          <a:off x="0" y="0"/>
-          <a:ext cx="0" cy="0"/>
-          <a:chOff x="0" y="0"/>
-          <a:chExt cx="0" cy="0"/>
-        </a:xfrm>
-      </p:grpSpPr>
-      <p:sp>
-        <p:nvSpPr>
-          <p:cNvPr id="2" name="Title 1">
-            <a:extLst>
-              <a:ext uri="{FF2B5EF4-FFF2-40B4-BE49-F238E27FC236}">
-                <a16:creationId xmlns:a16="http://schemas.microsoft.com/office/drawing/2014/main" id="{45CD995E-C4BD-AD8E-1758-42BB5DD1F346}"/>
-              </a:ext>
-            </a:extLst>
-          </p:cNvPr>
-          <p:cNvSpPr>
-            <a:spLocks noGrp="1"/>
-          </p:cNvSpPr>
-          <p:nvPr>
-            <p:ph type="title"/>
-          </p:nvPr>
-        </p:nvSpPr>
-        <p:spPr/>
-        <p:txBody>
-          <a:bodyPr/>
-          <a:lstStyle/>
-          <a:p>
-            <a:r>
-              <a:rPr lang="en-US"/>
-              <a:t>Custom Perceptron &amp; Adaline vs. </a:t>
-            </a:r>
-            <a:r>
-              <a:rPr lang="en-US" err="1"/>
-              <a:t>SKLearn</a:t>
-            </a:r>
-            <a:br>
-              <a:rPr lang="en-US"/>
-            </a:br>
-            <a:r>
-              <a:rPr lang="en-US"/>
-              <a:t>Why does </a:t>
-            </a:r>
-            <a:r>
-              <a:rPr lang="en-US" err="1"/>
-              <a:t>SKLearn</a:t>
-            </a:r>
-            <a:r>
-              <a:rPr lang="en-US"/>
-              <a:t> outperform the book code?</a:t>
-            </a:r>
-          </a:p>
-        </p:txBody>
-      </p:sp>
-      <p:sp>
-        <p:nvSpPr>
-          <p:cNvPr id="3" name="Content Placeholder 2">
-            <a:extLst>
-              <a:ext uri="{FF2B5EF4-FFF2-40B4-BE49-F238E27FC236}">
-                <a16:creationId xmlns:a16="http://schemas.microsoft.com/office/drawing/2014/main" id="{9DAD1E0E-FA06-AD22-20C9-9375A0AE3B03}"/>
-              </a:ext>
-            </a:extLst>
-          </p:cNvPr>
-          <p:cNvSpPr>
-            <a:spLocks noGrp="1"/>
-          </p:cNvSpPr>
-          <p:nvPr>
-            <p:ph idx="1"/>
-          </p:nvPr>
-        </p:nvSpPr>
-        <p:spPr/>
-        <p:txBody>
-          <a:bodyPr>
-            <a:normAutofit/>
-          </a:bodyPr>
-          <a:lstStyle/>
-          <a:p>
-            <a:r>
-              <a:rPr lang="en-US" sz="2800"/>
-              <a:t>Optimized Implementation: scikit-learn is highly optimized </a:t>
-            </a:r>
-            <a:r>
-              <a:rPr lang="en-US" sz="2800">
-                <a:sym typeface="Wingdings" panose="05000000000000000000" pitchFamily="2" charset="2"/>
-              </a:rPr>
-              <a:t> faster and more efficient than our python loops</a:t>
-            </a:r>
-          </a:p>
-          <a:p>
-            <a:r>
-              <a:rPr lang="en-US" sz="2800">
-                <a:sym typeface="Wingdings" panose="05000000000000000000" pitchFamily="2" charset="2"/>
-              </a:rPr>
-              <a:t>Regularization: built in options like alpha helps prevent overfitting</a:t>
-            </a:r>
-          </a:p>
-          <a:p>
-            <a:r>
-              <a:rPr lang="en-US" sz="2800">
-                <a:sym typeface="Wingdings" panose="05000000000000000000" pitchFamily="2" charset="2"/>
-              </a:rPr>
-              <a:t>Better Learning Rate Handling: Adaptive learning rate schedules vs. our fixed learning rate</a:t>
-            </a:r>
-          </a:p>
-          <a:p>
-            <a:r>
-              <a:rPr lang="en-US" sz="2800">
-                <a:sym typeface="Wingdings" panose="05000000000000000000" pitchFamily="2" charset="2"/>
-              </a:rPr>
-              <a:t>Robustness: handles edge cases (non-separable data, convergence issues) more gracefully</a:t>
-            </a:r>
-          </a:p>
-        </p:txBody>
-      </p:sp>
-    </p:spTree>
-    <p:extLst>
-      <p:ext uri="{BB962C8B-B14F-4D97-AF65-F5344CB8AC3E}">
-        <p14:creationId xmlns:p14="http://schemas.microsoft.com/office/powerpoint/2010/main" val="2620882712"/>
-      </p:ext>
-    </p:extLst>
-  </p:cSld>
-  <p:clrMapOvr>
-    <a:masterClrMapping/>
-  </p:clrMapOvr>
-</p:sld>
-</file>
-
 <file path=ppt/slides/slide17.xml><?xml version="1.0" encoding="utf-8"?>
-<p:sld xmlns:a="http://schemas.openxmlformats.org/drawingml/2006/main" xmlns:r="http://schemas.openxmlformats.org/officeDocument/2006/relationships" xmlns:p="http://schemas.openxmlformats.org/presentationml/2006/main">
-  <p:cSld>
-    <p:spTree>
-      <p:nvGrpSpPr>
-        <p:cNvPr id="1" name=""/>
-        <p:cNvGrpSpPr/>
-        <p:nvPr/>
-      </p:nvGrpSpPr>
-      <p:grpSpPr>
-        <a:xfrm>
-          <a:off x="0" y="0"/>
-          <a:ext cx="0" cy="0"/>
-          <a:chOff x="0" y="0"/>
-          <a:chExt cx="0" cy="0"/>
-        </a:xfrm>
-      </p:grpSpPr>
-      <p:sp>
-        <p:nvSpPr>
-          <p:cNvPr id="2" name="Title 1">
-            <a:extLst>
-              <a:ext uri="{FF2B5EF4-FFF2-40B4-BE49-F238E27FC236}">
-                <a16:creationId xmlns:a16="http://schemas.microsoft.com/office/drawing/2014/main" id="{D015266E-77FA-7F7A-FB12-333376BF1FE6}"/>
-              </a:ext>
-            </a:extLst>
-          </p:cNvPr>
-          <p:cNvSpPr>
-            <a:spLocks noGrp="1"/>
-          </p:cNvSpPr>
-          <p:nvPr>
-            <p:ph type="title"/>
-          </p:nvPr>
-        </p:nvSpPr>
-        <p:spPr/>
-        <p:txBody>
-          <a:bodyPr/>
-          <a:lstStyle/>
-          <a:p>
-            <a:r>
-              <a:rPr lang="en-US"/>
-              <a:t>Using Regularization to Prevent Overfitting</a:t>
-            </a:r>
-          </a:p>
-        </p:txBody>
-      </p:sp>
-      <p:sp>
-        <p:nvSpPr>
-          <p:cNvPr id="3" name="Content Placeholder 2">
-            <a:extLst>
-              <a:ext uri="{FF2B5EF4-FFF2-40B4-BE49-F238E27FC236}">
-                <a16:creationId xmlns:a16="http://schemas.microsoft.com/office/drawing/2014/main" id="{05308AC2-DB39-9F9F-6311-A6DAA162DDFB}"/>
-              </a:ext>
-            </a:extLst>
-          </p:cNvPr>
-          <p:cNvSpPr>
-            <a:spLocks noGrp="1"/>
-          </p:cNvSpPr>
-          <p:nvPr>
-            <p:ph idx="1"/>
-          </p:nvPr>
-        </p:nvSpPr>
-        <p:spPr>
-          <a:xfrm>
-            <a:off x="838200" y="1825624"/>
-            <a:ext cx="10515600" cy="4026535"/>
-          </a:xfrm>
-        </p:spPr>
-        <p:txBody>
-          <a:bodyPr>
-            <a:normAutofit fontScale="92500" lnSpcReduction="10000"/>
-          </a:bodyPr>
-          <a:lstStyle/>
-          <a:p>
-            <a:r>
-              <a:rPr lang="en-US" sz="2800" b="1"/>
-              <a:t>Role</a:t>
-            </a:r>
-            <a:r>
-              <a:rPr lang="en-US" sz="2800"/>
-              <a:t>:</a:t>
-            </a:r>
-          </a:p>
-          <a:p>
-            <a:pPr lvl="1"/>
-            <a:r>
-              <a:rPr lang="en-US" sz="2400"/>
-              <a:t>Adds a penalty term to the loss function</a:t>
-            </a:r>
-          </a:p>
-          <a:p>
-            <a:pPr lvl="1"/>
-            <a:r>
-              <a:rPr lang="en-US" sz="2400"/>
-              <a:t>Discourages overly large weights</a:t>
-            </a:r>
-          </a:p>
-          <a:p>
-            <a:pPr lvl="1"/>
-            <a:r>
-              <a:rPr lang="en-US" sz="2400"/>
-              <a:t>Simplifies the decision boundary</a:t>
-            </a:r>
-          </a:p>
-          <a:p>
-            <a:r>
-              <a:rPr lang="en-US" sz="2800" b="1"/>
-              <a:t>Effect</a:t>
-            </a:r>
-            <a:r>
-              <a:rPr lang="en-US" sz="2800"/>
-              <a:t>:</a:t>
-            </a:r>
-          </a:p>
-          <a:p>
-            <a:pPr lvl="1"/>
-            <a:r>
-              <a:rPr lang="en-US" sz="2400"/>
-              <a:t>Reduces variance &amp; improves generalization</a:t>
-            </a:r>
-          </a:p>
-          <a:p>
-            <a:pPr lvl="1"/>
-            <a:r>
-              <a:rPr lang="en-US" sz="2400"/>
-              <a:t>Helps balance bias-variance tradeoff</a:t>
-            </a:r>
-          </a:p>
-          <a:p>
-            <a:r>
-              <a:rPr lang="en-US" sz="2800" b="1"/>
-              <a:t>In Code</a:t>
-            </a:r>
-            <a:r>
-              <a:rPr lang="en-US" sz="2800"/>
-              <a:t>:</a:t>
-            </a:r>
-          </a:p>
-          <a:p>
-            <a:pPr lvl="1"/>
-            <a:r>
-              <a:rPr lang="en-US" sz="2400"/>
-              <a:t>Log Reg &amp; SVM in scikit-learn use C as a regularization strength</a:t>
-            </a:r>
-          </a:p>
-          <a:p>
-            <a:pPr lvl="1"/>
-            <a:r>
-              <a:rPr lang="en-US" sz="2400"/>
-              <a:t>Smaller C = stronger regularization = smoother boundaries &amp; less overfitting</a:t>
-            </a:r>
-          </a:p>
-        </p:txBody>
-      </p:sp>
-    </p:spTree>
-    <p:extLst>
-      <p:ext uri="{BB962C8B-B14F-4D97-AF65-F5344CB8AC3E}">
-        <p14:creationId xmlns:p14="http://schemas.microsoft.com/office/powerpoint/2010/main" val="1030513007"/>
-      </p:ext>
-    </p:extLst>
-  </p:cSld>
-  <p:clrMapOvr>
-    <a:masterClrMapping/>
-  </p:clrMapOvr>
-</p:sld>
-</file>
-
-<file path=ppt/slides/slide18.xml><?xml version="1.0" encoding="utf-8"?>
 <p:sld xmlns:a="http://schemas.openxmlformats.org/drawingml/2006/main" xmlns:r="http://schemas.openxmlformats.org/officeDocument/2006/relationships" xmlns:p="http://schemas.openxmlformats.org/presentationml/2006/main">
   <p:cSld>
     <p:spTree>
@@ -10579,6 +10534,126 @@
   <p:cSld>
     <p:spTree>
       <p:nvGrpSpPr>
+        <p:cNvPr id="1" name=""/>
+        <p:cNvGrpSpPr/>
+        <p:nvPr/>
+      </p:nvGrpSpPr>
+      <p:grpSpPr>
+        <a:xfrm>
+          <a:off x="0" y="0"/>
+          <a:ext cx="0" cy="0"/>
+          <a:chOff x="0" y="0"/>
+          <a:chExt cx="0" cy="0"/>
+        </a:xfrm>
+      </p:grpSpPr>
+      <p:sp>
+        <p:nvSpPr>
+          <p:cNvPr id="2" name="Title 1">
+            <a:extLst>
+              <a:ext uri="{FF2B5EF4-FFF2-40B4-BE49-F238E27FC236}">
+                <a16:creationId xmlns:a16="http://schemas.microsoft.com/office/drawing/2014/main" id="{D938B74E-AF86-1CA8-AB10-0C981464A3A1}"/>
+              </a:ext>
+            </a:extLst>
+          </p:cNvPr>
+          <p:cNvSpPr>
+            <a:spLocks noGrp="1"/>
+          </p:cNvSpPr>
+          <p:nvPr>
+            <p:ph type="title"/>
+          </p:nvPr>
+        </p:nvSpPr>
+        <p:spPr/>
+        <p:txBody>
+          <a:bodyPr/>
+          <a:lstStyle/>
+          <a:p>
+            <a:r>
+              <a:rPr lang="en-US"/>
+              <a:t>Why is Feature Scaling Important for Gradient-Based Algorithms?</a:t>
+            </a:r>
+          </a:p>
+        </p:txBody>
+      </p:sp>
+      <p:sp>
+        <p:nvSpPr>
+          <p:cNvPr id="3" name="Content Placeholder 2">
+            <a:extLst>
+              <a:ext uri="{FF2B5EF4-FFF2-40B4-BE49-F238E27FC236}">
+                <a16:creationId xmlns:a16="http://schemas.microsoft.com/office/drawing/2014/main" id="{8076C966-B95A-B230-A034-3053069C2226}"/>
+              </a:ext>
+            </a:extLst>
+          </p:cNvPr>
+          <p:cNvSpPr>
+            <a:spLocks noGrp="1"/>
+          </p:cNvSpPr>
+          <p:nvPr>
+            <p:ph idx="1"/>
+          </p:nvPr>
+        </p:nvSpPr>
+        <p:spPr/>
+        <p:txBody>
+          <a:bodyPr>
+            <a:normAutofit/>
+          </a:bodyPr>
+          <a:lstStyle/>
+          <a:p>
+            <a:r>
+              <a:rPr lang="en-US" sz="2800"/>
+              <a:t>Gradient descent updates depend on feature magnitudes</a:t>
+            </a:r>
+          </a:p>
+          <a:p>
+            <a:r>
+              <a:rPr lang="en-US" sz="2800"/>
+              <a:t>Without scaling, large-scale features dominate updates</a:t>
+            </a:r>
+          </a:p>
+          <a:p>
+            <a:r>
+              <a:rPr lang="en-US" sz="2800"/>
+              <a:t>Leads to slow convergence or unstable learning</a:t>
+            </a:r>
+          </a:p>
+          <a:p>
+            <a:r>
+              <a:rPr lang="en-US" sz="2800"/>
+              <a:t>Standardizing features puts them on the same scale</a:t>
+            </a:r>
+          </a:p>
+          <a:p>
+            <a:r>
+              <a:rPr lang="en-US" sz="2800"/>
+              <a:t>Result: smoother, faster, and more reliable convergence (as seen in </a:t>
+            </a:r>
+            <a:r>
+              <a:rPr lang="en-US" sz="2800" err="1"/>
+              <a:t>AdalineGD</a:t>
+            </a:r>
+            <a:r>
+              <a:rPr lang="en-US" sz="2800"/>
+              <a:t>/SGD curves)</a:t>
+            </a:r>
+          </a:p>
+        </p:txBody>
+      </p:sp>
+    </p:spTree>
+    <p:extLst>
+      <p:ext uri="{BB962C8B-B14F-4D97-AF65-F5344CB8AC3E}">
+        <p14:creationId xmlns:p14="http://schemas.microsoft.com/office/powerpoint/2010/main" val="860459229"/>
+      </p:ext>
+    </p:extLst>
+  </p:cSld>
+  <p:clrMapOvr>
+    <a:masterClrMapping/>
+  </p:clrMapOvr>
+</p:sld>
+</file>
+
+<file path=ppt/slides/slide4.xml><?xml version="1.0" encoding="utf-8"?>
+<p:sld xmlns:a="http://schemas.openxmlformats.org/drawingml/2006/main" xmlns:r="http://schemas.openxmlformats.org/officeDocument/2006/relationships" xmlns:p="http://schemas.openxmlformats.org/presentationml/2006/main">
+  <p:cSld>
+    <p:spTree>
+      <p:nvGrpSpPr>
         <p:cNvPr id="1" name="">
           <a:extLst>
             <a:ext uri="{FF2B5EF4-FFF2-40B4-BE49-F238E27FC236}">
@@ -10711,7 +10786,7 @@
 </p:sld>
 </file>
 
-<file path=ppt/slides/slide4.xml><?xml version="1.0" encoding="utf-8"?>
+<file path=ppt/slides/slide5.xml><?xml version="1.0" encoding="utf-8"?>
 <p:sld xmlns:a="http://schemas.openxmlformats.org/drawingml/2006/main" xmlns:r="http://schemas.openxmlformats.org/officeDocument/2006/relationships" xmlns:p="http://schemas.openxmlformats.org/presentationml/2006/main">
   <p:cSld>
     <p:spTree>
@@ -10914,7 +10989,7 @@
 </p:sld>
 </file>
 
-<file path=ppt/slides/slide5.xml><?xml version="1.0" encoding="utf-8"?>
+<file path=ppt/slides/slide6.xml><?xml version="1.0" encoding="utf-8"?>
 <p:sld xmlns:a="http://schemas.openxmlformats.org/drawingml/2006/main" xmlns:r="http://schemas.openxmlformats.org/officeDocument/2006/relationships" xmlns:p="http://schemas.openxmlformats.org/presentationml/2006/main">
   <p:cSld>
     <p:spTree>
@@ -11060,7 +11135,7 @@
 </p:sld>
 </file>
 
-<file path=ppt/slides/slide6.xml><?xml version="1.0" encoding="utf-8"?>
+<file path=ppt/slides/slide7.xml><?xml version="1.0" encoding="utf-8"?>
 <p:sld xmlns:a="http://schemas.openxmlformats.org/drawingml/2006/main" xmlns:r="http://schemas.openxmlformats.org/officeDocument/2006/relationships" xmlns:p="http://schemas.openxmlformats.org/presentationml/2006/main">
   <p:cSld>
     <p:spTree>
@@ -11220,7 +11295,7 @@
 </p:sld>
 </file>
 
-<file path=ppt/slides/slide7.xml><?xml version="1.0" encoding="utf-8"?>
+<file path=ppt/slides/slide8.xml><?xml version="1.0" encoding="utf-8"?>
 <p:sld xmlns:a="http://schemas.openxmlformats.org/drawingml/2006/main" xmlns:r="http://schemas.openxmlformats.org/officeDocument/2006/relationships" xmlns:p="http://schemas.openxmlformats.org/presentationml/2006/main">
   <p:cSld>
     <p:spTree>
@@ -11399,7 +11474,7 @@
 </p:sld>
 </file>
 
-<file path=ppt/slides/slide8.xml><?xml version="1.0" encoding="utf-8"?>
+<file path=ppt/slides/slide9.xml><?xml version="1.0" encoding="utf-8"?>
 <p:sld xmlns:a="http://schemas.openxmlformats.org/drawingml/2006/main" xmlns:r="http://schemas.openxmlformats.org/officeDocument/2006/relationships" xmlns:p="http://schemas.openxmlformats.org/presentationml/2006/main">
   <p:cSld>
     <p:spTree>
@@ -11532,259 +11607,6 @@
     <p:extLst>
       <p:ext uri="{BB962C8B-B14F-4D97-AF65-F5344CB8AC3E}">
         <p14:creationId xmlns:p14="http://schemas.microsoft.com/office/powerpoint/2010/main" val="285976854"/>
-      </p:ext>
-    </p:extLst>
-  </p:cSld>
-  <p:clrMapOvr>
-    <a:masterClrMapping/>
-  </p:clrMapOvr>
-</p:sld>
-</file>
-
-<file path=ppt/slides/slide9.xml><?xml version="1.0" encoding="utf-8"?>
-<p:sld xmlns:a="http://schemas.openxmlformats.org/drawingml/2006/main" xmlns:r="http://schemas.openxmlformats.org/officeDocument/2006/relationships" xmlns:p="http://schemas.openxmlformats.org/presentationml/2006/main">
-  <p:cSld>
-    <p:spTree>
-      <p:nvGrpSpPr>
-        <p:cNvPr id="1" name=""/>
-        <p:cNvGrpSpPr/>
-        <p:nvPr/>
-      </p:nvGrpSpPr>
-      <p:grpSpPr>
-        <a:xfrm>
-          <a:off x="0" y="0"/>
-          <a:ext cx="0" cy="0"/>
-          <a:chOff x="0" y="0"/>
-          <a:chExt cx="0" cy="0"/>
-        </a:xfrm>
-      </p:grpSpPr>
-      <p:sp>
-        <p:nvSpPr>
-          <p:cNvPr id="2" name="Title 1">
-            <a:extLst>
-              <a:ext uri="{FF2B5EF4-FFF2-40B4-BE49-F238E27FC236}">
-                <a16:creationId xmlns:a16="http://schemas.microsoft.com/office/drawing/2014/main" id="{56E6506C-D359-114F-5638-F63463E7286A}"/>
-              </a:ext>
-            </a:extLst>
-          </p:cNvPr>
-          <p:cNvSpPr>
-            <a:spLocks noGrp="1"/>
-          </p:cNvSpPr>
-          <p:nvPr>
-            <p:ph type="title"/>
-          </p:nvPr>
-        </p:nvSpPr>
-        <p:spPr/>
-        <p:txBody>
-          <a:bodyPr/>
-          <a:lstStyle/>
-          <a:p>
-            <a:r>
-              <a:rPr lang="en-US" err="1"/>
-              <a:t>SKLearn</a:t>
-            </a:r>
-            <a:r>
-              <a:rPr lang="en-US"/>
-              <a:t> Perceptron &amp; Adaline</a:t>
-            </a:r>
-          </a:p>
-        </p:txBody>
-      </p:sp>
-      <p:sp>
-        <p:nvSpPr>
-          <p:cNvPr id="4" name="Text Placeholder 3">
-            <a:extLst>
-              <a:ext uri="{FF2B5EF4-FFF2-40B4-BE49-F238E27FC236}">
-                <a16:creationId xmlns:a16="http://schemas.microsoft.com/office/drawing/2014/main" id="{A468150C-44D7-832A-A688-0703489AE7EA}"/>
-              </a:ext>
-            </a:extLst>
-          </p:cNvPr>
-          <p:cNvSpPr>
-            <a:spLocks noGrp="1"/>
-          </p:cNvSpPr>
-          <p:nvPr>
-            <p:ph type="body" idx="1"/>
-          </p:nvPr>
-        </p:nvSpPr>
-        <p:spPr/>
-        <p:txBody>
-          <a:bodyPr/>
-          <a:lstStyle/>
-          <a:p>
-            <a:r>
-              <a:rPr lang="en-US" err="1"/>
-              <a:t>SKLearn</a:t>
-            </a:r>
-            <a:r>
-              <a:rPr lang="en-US"/>
-              <a:t> Perceptron:</a:t>
-            </a:r>
-          </a:p>
-        </p:txBody>
-      </p:sp>
-      <p:sp>
-        <p:nvSpPr>
-          <p:cNvPr id="3" name="Content Placeholder 2">
-            <a:extLst>
-              <a:ext uri="{FF2B5EF4-FFF2-40B4-BE49-F238E27FC236}">
-                <a16:creationId xmlns:a16="http://schemas.microsoft.com/office/drawing/2014/main" id="{5BAB4DD1-66F0-FC23-3885-CBADA18599D1}"/>
-              </a:ext>
-            </a:extLst>
-          </p:cNvPr>
-          <p:cNvSpPr>
-            <a:spLocks noGrp="1"/>
-          </p:cNvSpPr>
-          <p:nvPr>
-            <p:ph sz="half" idx="2"/>
-          </p:nvPr>
-        </p:nvSpPr>
-        <p:spPr/>
-        <p:txBody>
-          <a:bodyPr>
-            <a:normAutofit/>
-          </a:bodyPr>
-          <a:lstStyle/>
-          <a:p>
-            <a:r>
-              <a:rPr lang="en-US"/>
-              <a:t>Efficient perceptron using SGD</a:t>
-            </a:r>
-          </a:p>
-          <a:p>
-            <a:r>
-              <a:rPr lang="en-US"/>
-              <a:t>Supports regularization, learning rate tuning, and class weights</a:t>
-            </a:r>
-          </a:p>
-          <a:p>
-            <a:r>
-              <a:rPr lang="en-US"/>
-              <a:t>Faster and more stable</a:t>
-            </a:r>
-          </a:p>
-          <a:p>
-            <a:pPr marL="0" indent="0">
-              <a:buNone/>
-            </a:pPr>
-            <a:endParaRPr lang="en-US"/>
-          </a:p>
-          <a:p>
-            <a:pPr marL="0" indent="0">
-              <a:buNone/>
-            </a:pPr>
-            <a:r>
-              <a:rPr lang="en-US"/>
-              <a:t>Perceptron </a:t>
-            </a:r>
-            <a:r>
-              <a:rPr lang="en-US" err="1"/>
-              <a:t>SKLearn</a:t>
-            </a:r>
-            <a:r>
-              <a:rPr lang="en-US"/>
-              <a:t> Accuracy: 0.7950</a:t>
-            </a:r>
-          </a:p>
-        </p:txBody>
-      </p:sp>
-      <p:sp>
-        <p:nvSpPr>
-          <p:cNvPr id="5" name="Text Placeholder 4">
-            <a:extLst>
-              <a:ext uri="{FF2B5EF4-FFF2-40B4-BE49-F238E27FC236}">
-                <a16:creationId xmlns:a16="http://schemas.microsoft.com/office/drawing/2014/main" id="{7AF97783-43AC-5D19-5AD6-123EC1E4D954}"/>
-              </a:ext>
-            </a:extLst>
-          </p:cNvPr>
-          <p:cNvSpPr>
-            <a:spLocks noGrp="1"/>
-          </p:cNvSpPr>
-          <p:nvPr>
-            <p:ph type="body" sz="quarter" idx="3"/>
-          </p:nvPr>
-        </p:nvSpPr>
-        <p:spPr/>
-        <p:txBody>
-          <a:bodyPr/>
-          <a:lstStyle/>
-          <a:p>
-            <a:r>
-              <a:rPr lang="en-US" err="1"/>
-              <a:t>SKLearn</a:t>
-            </a:r>
-            <a:r>
-              <a:rPr lang="en-US"/>
-              <a:t> Adaline:</a:t>
-            </a:r>
-          </a:p>
-        </p:txBody>
-      </p:sp>
-      <p:sp>
-        <p:nvSpPr>
-          <p:cNvPr id="6" name="Content Placeholder 5">
-            <a:extLst>
-              <a:ext uri="{FF2B5EF4-FFF2-40B4-BE49-F238E27FC236}">
-                <a16:creationId xmlns:a16="http://schemas.microsoft.com/office/drawing/2014/main" id="{F75C1236-7A21-1842-33B8-5F98065773B1}"/>
-              </a:ext>
-            </a:extLst>
-          </p:cNvPr>
-          <p:cNvSpPr>
-            <a:spLocks noGrp="1"/>
-          </p:cNvSpPr>
-          <p:nvPr>
-            <p:ph sz="quarter" idx="4"/>
-          </p:nvPr>
-        </p:nvSpPr>
-        <p:spPr/>
-        <p:txBody>
-          <a:bodyPr>
-            <a:normAutofit/>
-          </a:bodyPr>
-          <a:lstStyle/>
-          <a:p>
-            <a:r>
-              <a:rPr lang="en-US"/>
-              <a:t>Adaline with SGD</a:t>
-            </a:r>
-          </a:p>
-          <a:p>
-            <a:r>
-              <a:rPr lang="en-US"/>
-              <a:t>Minimizes mean squared error</a:t>
-            </a:r>
-          </a:p>
-          <a:p>
-            <a:r>
-              <a:rPr lang="en-US"/>
-              <a:t>Includes regularization, adaptive learning rates, and shuffling</a:t>
-            </a:r>
-          </a:p>
-          <a:p>
-            <a:pPr marL="0" indent="0">
-              <a:buNone/>
-            </a:pPr>
-            <a:r>
-              <a:rPr lang="en-US"/>
-              <a:t>Adaline </a:t>
-            </a:r>
-            <a:r>
-              <a:rPr lang="en-US" err="1"/>
-              <a:t>SKLearn</a:t>
-            </a:r>
-            <a:r>
-              <a:rPr lang="en-US"/>
-              <a:t> Accuracy: 0.8301</a:t>
-            </a:r>
-          </a:p>
-          <a:p>
-            <a:endParaRPr lang="en-US"/>
-          </a:p>
-        </p:txBody>
-      </p:sp>
-    </p:spTree>
-    <p:extLst>
-      <p:ext uri="{BB962C8B-B14F-4D97-AF65-F5344CB8AC3E}">
-        <p14:creationId xmlns:p14="http://schemas.microsoft.com/office/powerpoint/2010/main" val="4173577129"/>
       </p:ext>
     </p:extLst>
   </p:cSld>
@@ -12005,8 +11827,8 @@
 </file>
 
 <file path=customXml/item2.xml><?xml version="1.0" encoding="utf-8"?>
-<ct:contentTypeSchema xmlns:ct="http://schemas.microsoft.com/office/2006/metadata/contentType" xmlns:ma="http://schemas.microsoft.com/office/2006/metadata/properties/metaAttributes" ct:_="" ma:_="" ma:contentTypeName="Document" ma:contentTypeID="0x0101009F4C45B84D53ED47AA1B22C6BD980C55" ma:contentTypeVersion="3" ma:contentTypeDescription="Create a new document." ma:contentTypeScope="" ma:versionID="46df5de2b64f9f6488382a4a86222ba0">
-  <xsd:schema xmlns:xsd="http://www.w3.org/2001/XMLSchema" xmlns:xs="http://www.w3.org/2001/XMLSchema" xmlns:p="http://schemas.microsoft.com/office/2006/metadata/properties" xmlns:ns2="75bd106b-5607-45a5-8c15-c49f8136fac0" targetNamespace="http://schemas.microsoft.com/office/2006/metadata/properties" ma:root="true" ma:fieldsID="914abc914a3b605ea70a263b6a545db6" ns2:_="">
+<ct:contentTypeSchema xmlns:ct="http://schemas.microsoft.com/office/2006/metadata/contentType" xmlns:ma="http://schemas.microsoft.com/office/2006/metadata/properties/metaAttributes" ct:_="" ma:_="" ma:contentTypeName="Document" ma:contentTypeID="0x0101009F4C45B84D53ED47AA1B22C6BD980C55" ma:contentTypeVersion="7" ma:contentTypeDescription="Create a new document." ma:contentTypeScope="" ma:versionID="b5e97db3fc607e225ac6496d1bd6af66">
+  <xsd:schema xmlns:xsd="http://www.w3.org/2001/XMLSchema" xmlns:xs="http://www.w3.org/2001/XMLSchema" xmlns:p="http://schemas.microsoft.com/office/2006/metadata/properties" xmlns:ns2="75bd106b-5607-45a5-8c15-c49f8136fac0" targetNamespace="http://schemas.microsoft.com/office/2006/metadata/properties" ma:root="true" ma:fieldsID="0a1a367c2e12fb4b27b62999fa48b3f9" ns2:_="">
     <xsd:import namespace="75bd106b-5607-45a5-8c15-c49f8136fac0"/>
     <xsd:element name="properties">
       <xsd:complexType>
@@ -12017,6 +11839,10 @@
                 <xsd:element ref="ns2:MediaServiceMetadata" minOccurs="0"/>
                 <xsd:element ref="ns2:MediaServiceFastMetadata" minOccurs="0"/>
                 <xsd:element ref="ns2:MediaServiceSearchProperties" minOccurs="0"/>
+                <xsd:element ref="ns2:MediaServiceDateTaken" minOccurs="0"/>
+                <xsd:element ref="ns2:MediaServiceGenerationTime" minOccurs="0"/>
+                <xsd:element ref="ns2:MediaServiceEventHashCode" minOccurs="0"/>
+                <xsd:element ref="ns2:MediaLengthInSeconds" minOccurs="0"/>
               </xsd:all>
             </xsd:complexType>
           </xsd:element>
@@ -12040,6 +11866,26 @@
     <xsd:element name="MediaServiceSearchProperties" ma:index="10" nillable="true" ma:displayName="MediaServiceSearchProperties" ma:hidden="true" ma:internalName="MediaServiceSearchProperties" ma:readOnly="true">
       <xsd:simpleType>
         <xsd:restriction base="dms:Note"/>
+      </xsd:simpleType>
+    </xsd:element>
+    <xsd:element name="MediaServiceDateTaken" ma:index="11" nillable="true" ma:displayName="MediaServiceDateTaken" ma:hidden="true" ma:indexed="true" ma:internalName="MediaServiceDateTaken" ma:readOnly="true">
+      <xsd:simpleType>
+        <xsd:restriction base="dms:Text"/>
+      </xsd:simpleType>
+    </xsd:element>
+    <xsd:element name="MediaServiceGenerationTime" ma:index="12" nillable="true" ma:displayName="MediaServiceGenerationTime" ma:hidden="true" ma:internalName="MediaServiceGenerationTime" ma:readOnly="true">
+      <xsd:simpleType>
+        <xsd:restriction base="dms:Text"/>
+      </xsd:simpleType>
+    </xsd:element>
+    <xsd:element name="MediaServiceEventHashCode" ma:index="13" nillable="true" ma:displayName="MediaServiceEventHashCode" ma:hidden="true" ma:internalName="MediaServiceEventHashCode" ma:readOnly="true">
+      <xsd:simpleType>
+        <xsd:restriction base="dms:Text"/>
+      </xsd:simpleType>
+    </xsd:element>
+    <xsd:element name="MediaLengthInSeconds" ma:index="14" nillable="true" ma:displayName="MediaLengthInSeconds" ma:hidden="true" ma:internalName="MediaLengthInSeconds" ma:readOnly="true">
+      <xsd:simpleType>
+        <xsd:restriction base="dms:Unknown"/>
       </xsd:simpleType>
     </xsd:element>
   </xsd:schema>
@@ -12157,7 +12003,7 @@
 </file>
 
 <file path=customXml/itemProps2.xml><?xml version="1.0" encoding="utf-8"?>
-<ds:datastoreItem xmlns:ds="http://schemas.openxmlformats.org/officeDocument/2006/customXml" ds:itemID="{84DA54FF-8AA7-4E64-800A-ECA2F669E9AE}">
+<ds:datastoreItem xmlns:ds="http://schemas.openxmlformats.org/officeDocument/2006/customXml" ds:itemID="{295CBEE9-BA14-48C7-B472-B176C45E0980}">
   <ds:schemaRefs>
     <ds:schemaRef ds:uri="75bd106b-5607-45a5-8c15-c49f8136fac0"/>
     <ds:schemaRef ds:uri="http://purl.org/dc/elements/1.1/"/>
